--- a/Fall2018 Lecture Notes/Chapter 10 Lecture.pptx
+++ b/Fall2018 Lecture Notes/Chapter 10 Lecture.pptx
@@ -5,7 +5,7 @@
     <p:sldMasterId id="2147483774" r:id="rId1"/>
   </p:sldMasterIdLst>
   <p:notesMasterIdLst>
-    <p:notesMasterId r:id="rId29"/>
+    <p:notesMasterId r:id="rId32"/>
   </p:notesMasterIdLst>
   <p:sldIdLst>
     <p:sldId id="256" r:id="rId2"/>
@@ -24,17 +24,20 @@
     <p:sldId id="333" r:id="rId15"/>
     <p:sldId id="334" r:id="rId16"/>
     <p:sldId id="335" r:id="rId17"/>
-    <p:sldId id="341" r:id="rId18"/>
-    <p:sldId id="342" r:id="rId19"/>
-    <p:sldId id="343" r:id="rId20"/>
-    <p:sldId id="344" r:id="rId21"/>
-    <p:sldId id="336" r:id="rId22"/>
-    <p:sldId id="337" r:id="rId23"/>
-    <p:sldId id="345" r:id="rId24"/>
-    <p:sldId id="338" r:id="rId25"/>
-    <p:sldId id="340" r:id="rId26"/>
-    <p:sldId id="339" r:id="rId27"/>
+    <p:sldId id="336" r:id="rId18"/>
+    <p:sldId id="337" r:id="rId19"/>
+    <p:sldId id="338" r:id="rId20"/>
+    <p:sldId id="340" r:id="rId21"/>
+    <p:sldId id="339" r:id="rId22"/>
+    <p:sldId id="341" r:id="rId23"/>
+    <p:sldId id="342" r:id="rId24"/>
+    <p:sldId id="343" r:id="rId25"/>
+    <p:sldId id="344" r:id="rId26"/>
+    <p:sldId id="345" r:id="rId27"/>
     <p:sldId id="346" r:id="rId28"/>
+    <p:sldId id="347" r:id="rId29"/>
+    <p:sldId id="348" r:id="rId30"/>
+    <p:sldId id="349" r:id="rId31"/>
   </p:sldIdLst>
   <p:sldSz cx="9144000" cy="6858000" type="screen4x3"/>
   <p:notesSz cx="6858000" cy="9144000"/>
@@ -156,8 +159,8 @@
 <pc:chgInfo xmlns:a="http://schemas.openxmlformats.org/drawingml/2006/main" xmlns:r="http://schemas.openxmlformats.org/officeDocument/2006/relationships" xmlns:ac="http://schemas.microsoft.com/office/drawing/2013/main/command" xmlns:pc="http://schemas.microsoft.com/office/powerpoint/2013/main/command">
   <pc:docChgLst>
     <pc:chgData name="Tabetha Hopke" userId="5e7e88d54752368c" providerId="LiveId" clId="{18015A64-C91A-4977-B774-FE4B9081C1AA}"/>
-    <pc:docChg chg="undo redo custSel modSld">
-      <pc:chgData name="Tabetha Hopke" userId="5e7e88d54752368c" providerId="LiveId" clId="{18015A64-C91A-4977-B774-FE4B9081C1AA}" dt="2018-07-31T18:19:12.985" v="207" actId="114"/>
+    <pc:docChg chg="undo redo custSel addSld delSld modSld sldOrd modMainMaster">
+      <pc:chgData name="Tabetha Hopke" userId="5e7e88d54752368c" providerId="LiveId" clId="{18015A64-C91A-4977-B774-FE4B9081C1AA}" dt="2018-08-08T17:20:08.776" v="2521" actId="20577"/>
       <pc:docMkLst>
         <pc:docMk/>
       </pc:docMkLst>
@@ -176,7 +179,7 @@
           </ac:spMkLst>
         </pc:spChg>
         <pc:spChg chg="del mod">
-          <ac:chgData name="Tabetha Hopke" userId="5e7e88d54752368c" providerId="LiveId" clId="{18015A64-C91A-4977-B774-FE4B9081C1AA}" dt="2018-07-31T18:04:23.648" v="9"/>
+          <ac:chgData name="Tabetha Hopke" userId="5e7e88d54752368c" providerId="LiveId" clId="{18015A64-C91A-4977-B774-FE4B9081C1AA}" dt="2018-07-31T18:04:23.648" v="9" actId="20577"/>
           <ac:spMkLst>
             <pc:docMk/>
             <pc:sldMk cId="0" sldId="256"/>
@@ -193,13 +196,13 @@
         </pc:picChg>
       </pc:sldChg>
       <pc:sldChg chg="addSp delSp modSp">
-        <pc:chgData name="Tabetha Hopke" userId="5e7e88d54752368c" providerId="LiveId" clId="{18015A64-C91A-4977-B774-FE4B9081C1AA}" dt="2018-07-31T18:17:31.991" v="197" actId="20577"/>
+        <pc:chgData name="Tabetha Hopke" userId="5e7e88d54752368c" providerId="LiveId" clId="{18015A64-C91A-4977-B774-FE4B9081C1AA}" dt="2018-08-08T16:22:51.940" v="602" actId="20577"/>
         <pc:sldMkLst>
           <pc:docMk/>
           <pc:sldMk cId="0" sldId="283"/>
         </pc:sldMkLst>
         <pc:spChg chg="add mod">
-          <ac:chgData name="Tabetha Hopke" userId="5e7e88d54752368c" providerId="LiveId" clId="{18015A64-C91A-4977-B774-FE4B9081C1AA}" dt="2018-07-31T18:15:56.903" v="173"/>
+          <ac:chgData name="Tabetha Hopke" userId="5e7e88d54752368c" providerId="LiveId" clId="{18015A64-C91A-4977-B774-FE4B9081C1AA}" dt="2018-07-31T18:15:56.903" v="173" actId="20577"/>
           <ac:spMkLst>
             <pc:docMk/>
             <pc:sldMk cId="0" sldId="283"/>
@@ -207,7 +210,7 @@
           </ac:spMkLst>
         </pc:spChg>
         <pc:spChg chg="add mod">
-          <ac:chgData name="Tabetha Hopke" userId="5e7e88d54752368c" providerId="LiveId" clId="{18015A64-C91A-4977-B774-FE4B9081C1AA}" dt="2018-07-31T18:17:31.991" v="197" actId="20577"/>
+          <ac:chgData name="Tabetha Hopke" userId="5e7e88d54752368c" providerId="LiveId" clId="{18015A64-C91A-4977-B774-FE4B9081C1AA}" dt="2018-08-08T16:22:51.940" v="602" actId="20577"/>
           <ac:spMkLst>
             <pc:docMk/>
             <pc:sldMk cId="0" sldId="283"/>
@@ -223,7 +226,7 @@
           </ac:spMkLst>
         </pc:spChg>
         <pc:spChg chg="del mod">
-          <ac:chgData name="Tabetha Hopke" userId="5e7e88d54752368c" providerId="LiveId" clId="{18015A64-C91A-4977-B774-FE4B9081C1AA}" dt="2018-07-31T18:17:23.753" v="193"/>
+          <ac:chgData name="Tabetha Hopke" userId="5e7e88d54752368c" providerId="LiveId" clId="{18015A64-C91A-4977-B774-FE4B9081C1AA}" dt="2018-07-31T18:17:23.753" v="193" actId="20577"/>
           <ac:spMkLst>
             <pc:docMk/>
             <pc:sldMk cId="0" sldId="283"/>
@@ -246,7 +249,7 @@
           </ac:spMkLst>
         </pc:spChg>
         <pc:spChg chg="del mod">
-          <ac:chgData name="Tabetha Hopke" userId="5e7e88d54752368c" providerId="LiveId" clId="{18015A64-C91A-4977-B774-FE4B9081C1AA}" dt="2018-07-31T18:12:00.736" v="113"/>
+          <ac:chgData name="Tabetha Hopke" userId="5e7e88d54752368c" providerId="LiveId" clId="{18015A64-C91A-4977-B774-FE4B9081C1AA}" dt="2018-07-31T18:12:00.736" v="113" actId="20577"/>
           <ac:spMkLst>
             <pc:docMk/>
             <pc:sldMk cId="0" sldId="303"/>
@@ -277,7 +280,7 @@
           </ac:spMkLst>
         </pc:spChg>
         <pc:spChg chg="add del mod">
-          <ac:chgData name="Tabetha Hopke" userId="5e7e88d54752368c" providerId="LiveId" clId="{18015A64-C91A-4977-B774-FE4B9081C1AA}" dt="2018-07-31T18:14:55.139" v="152"/>
+          <ac:chgData name="Tabetha Hopke" userId="5e7e88d54752368c" providerId="LiveId" clId="{18015A64-C91A-4977-B774-FE4B9081C1AA}" dt="2018-07-31T18:14:55.139" v="152" actId="1076"/>
           <ac:spMkLst>
             <pc:docMk/>
             <pc:sldMk cId="0" sldId="305"/>
@@ -301,7 +304,7 @@
           </ac:picMkLst>
         </pc:picChg>
         <pc:picChg chg="del">
-          <ac:chgData name="Tabetha Hopke" userId="5e7e88d54752368c" providerId="LiveId" clId="{18015A64-C91A-4977-B774-FE4B9081C1AA}" dt="2018-07-31T18:14:53.474" v="151"/>
+          <ac:chgData name="Tabetha Hopke" userId="5e7e88d54752368c" providerId="LiveId" clId="{18015A64-C91A-4977-B774-FE4B9081C1AA}" dt="2018-07-31T18:14:53.474" v="151" actId="1076"/>
           <ac:picMkLst>
             <pc:docMk/>
             <pc:sldMk cId="0" sldId="305"/>
@@ -355,7 +358,7 @@
         </pc:spChg>
       </pc:sldChg>
       <pc:sldChg chg="modSp modNotesTx">
-        <pc:chgData name="Tabetha Hopke" userId="5e7e88d54752368c" providerId="LiveId" clId="{18015A64-C91A-4977-B774-FE4B9081C1AA}" dt="2018-07-31T18:08:47.024" v="77" actId="20577"/>
+        <pc:chgData name="Tabetha Hopke" userId="5e7e88d54752368c" providerId="LiveId" clId="{18015A64-C91A-4977-B774-FE4B9081C1AA}" dt="2018-07-31T19:12:38.196" v="321" actId="20577"/>
         <pc:sldMkLst>
           <pc:docMk/>
           <pc:sldMk cId="1984540427" sldId="317"/>
@@ -369,6 +372,21 @@
           </ac:spMkLst>
         </pc:spChg>
       </pc:sldChg>
+      <pc:sldChg chg="modSp">
+        <pc:chgData name="Tabetha Hopke" userId="5e7e88d54752368c" providerId="LiveId" clId="{18015A64-C91A-4977-B774-FE4B9081C1AA}" dt="2018-07-31T19:11:11.947" v="254" actId="20577"/>
+        <pc:sldMkLst>
+          <pc:docMk/>
+          <pc:sldMk cId="1423882001" sldId="318"/>
+        </pc:sldMkLst>
+        <pc:spChg chg="mod">
+          <ac:chgData name="Tabetha Hopke" userId="5e7e88d54752368c" providerId="LiveId" clId="{18015A64-C91A-4977-B774-FE4B9081C1AA}" dt="2018-07-31T19:11:11.947" v="254" actId="20577"/>
+          <ac:spMkLst>
+            <pc:docMk/>
+            <pc:sldMk cId="1423882001" sldId="318"/>
+            <ac:spMk id="3" creationId="{00000000-0000-0000-0000-000000000000}"/>
+          </ac:spMkLst>
+        </pc:spChg>
+      </pc:sldChg>
       <pc:sldChg chg="addSp delSp modSp">
         <pc:chgData name="Tabetha Hopke" userId="5e7e88d54752368c" providerId="LiveId" clId="{18015A64-C91A-4977-B774-FE4B9081C1AA}" dt="2018-07-31T18:16:48.670" v="191" actId="114"/>
         <pc:sldMkLst>
@@ -376,7 +394,7 @@
           <pc:sldMk cId="847969149" sldId="319"/>
         </pc:sldMkLst>
         <pc:spChg chg="del mod">
-          <ac:chgData name="Tabetha Hopke" userId="5e7e88d54752368c" providerId="LiveId" clId="{18015A64-C91A-4977-B774-FE4B9081C1AA}" dt="2018-07-31T18:16:40.664" v="188"/>
+          <ac:chgData name="Tabetha Hopke" userId="5e7e88d54752368c" providerId="LiveId" clId="{18015A64-C91A-4977-B774-FE4B9081C1AA}" dt="2018-07-31T18:16:40.664" v="188" actId="114"/>
           <ac:spMkLst>
             <pc:docMk/>
             <pc:sldMk cId="847969149" sldId="319"/>
@@ -407,7 +425,7 @@
           <pc:sldMk cId="2835586214" sldId="320"/>
         </pc:sldMkLst>
         <pc:spChg chg="del mod">
-          <ac:chgData name="Tabetha Hopke" userId="5e7e88d54752368c" providerId="LiveId" clId="{18015A64-C91A-4977-B774-FE4B9081C1AA}" dt="2018-07-31T18:16:23.496" v="180"/>
+          <ac:chgData name="Tabetha Hopke" userId="5e7e88d54752368c" providerId="LiveId" clId="{18015A64-C91A-4977-B774-FE4B9081C1AA}" dt="2018-07-31T18:16:23.496" v="180" actId="27636"/>
           <ac:spMkLst>
             <pc:docMk/>
             <pc:sldMk cId="2835586214" sldId="320"/>
@@ -424,21 +442,29 @@
         </pc:spChg>
       </pc:sldChg>
       <pc:sldChg chg="addSp delSp modSp">
-        <pc:chgData name="Tabetha Hopke" userId="5e7e88d54752368c" providerId="LiveId" clId="{18015A64-C91A-4977-B774-FE4B9081C1AA}" dt="2018-07-31T18:16:12.697" v="177"/>
+        <pc:chgData name="Tabetha Hopke" userId="5e7e88d54752368c" providerId="LiveId" clId="{18015A64-C91A-4977-B774-FE4B9081C1AA}" dt="2018-08-08T16:29:27.260" v="610" actId="20577"/>
         <pc:sldMkLst>
           <pc:docMk/>
           <pc:sldMk cId="2110395366" sldId="321"/>
         </pc:sldMkLst>
         <pc:spChg chg="del mod">
-          <ac:chgData name="Tabetha Hopke" userId="5e7e88d54752368c" providerId="LiveId" clId="{18015A64-C91A-4977-B774-FE4B9081C1AA}" dt="2018-07-31T18:16:07.635" v="175"/>
+          <ac:chgData name="Tabetha Hopke" userId="5e7e88d54752368c" providerId="LiveId" clId="{18015A64-C91A-4977-B774-FE4B9081C1AA}" dt="2018-07-31T18:16:07.635" v="175" actId="114"/>
           <ac:spMkLst>
             <pc:docMk/>
             <pc:sldMk cId="2110395366" sldId="321"/>
             <ac:spMk id="2" creationId="{00000000-0000-0000-0000-000000000000}"/>
           </ac:spMkLst>
         </pc:spChg>
+        <pc:spChg chg="mod">
+          <ac:chgData name="Tabetha Hopke" userId="5e7e88d54752368c" providerId="LiveId" clId="{18015A64-C91A-4977-B774-FE4B9081C1AA}" dt="2018-08-08T16:29:27.260" v="610" actId="20577"/>
+          <ac:spMkLst>
+            <pc:docMk/>
+            <pc:sldMk cId="2110395366" sldId="321"/>
+            <ac:spMk id="3" creationId="{00000000-0000-0000-0000-000000000000}"/>
+          </ac:spMkLst>
+        </pc:spChg>
         <pc:spChg chg="add mod">
-          <ac:chgData name="Tabetha Hopke" userId="5e7e88d54752368c" providerId="LiveId" clId="{18015A64-C91A-4977-B774-FE4B9081C1AA}" dt="2018-07-31T18:16:12.697" v="177"/>
+          <ac:chgData name="Tabetha Hopke" userId="5e7e88d54752368c" providerId="LiveId" clId="{18015A64-C91A-4977-B774-FE4B9081C1AA}" dt="2018-07-31T18:16:12.697" v="177" actId="114"/>
           <ac:spMkLst>
             <pc:docMk/>
             <pc:sldMk cId="2110395366" sldId="321"/>
@@ -447,13 +473,13 @@
         </pc:spChg>
       </pc:sldChg>
       <pc:sldChg chg="modSp">
-        <pc:chgData name="Tabetha Hopke" userId="5e7e88d54752368c" providerId="LiveId" clId="{18015A64-C91A-4977-B774-FE4B9081C1AA}" dt="2018-07-31T18:11:48.525" v="111" actId="20577"/>
+        <pc:chgData name="Tabetha Hopke" userId="5e7e88d54752368c" providerId="LiveId" clId="{18015A64-C91A-4977-B774-FE4B9081C1AA}" dt="2018-08-08T16:04:33.589" v="538" actId="1076"/>
         <pc:sldMkLst>
           <pc:docMk/>
           <pc:sldMk cId="2031044150" sldId="332"/>
         </pc:sldMkLst>
-        <pc:graphicFrameChg chg="modGraphic">
-          <ac:chgData name="Tabetha Hopke" userId="5e7e88d54752368c" providerId="LiveId" clId="{18015A64-C91A-4977-B774-FE4B9081C1AA}" dt="2018-07-31T18:11:48.525" v="111" actId="20577"/>
+        <pc:graphicFrameChg chg="mod modGraphic">
+          <ac:chgData name="Tabetha Hopke" userId="5e7e88d54752368c" providerId="LiveId" clId="{18015A64-C91A-4977-B774-FE4B9081C1AA}" dt="2018-08-08T16:04:33.589" v="538" actId="1076"/>
           <ac:graphicFrameMkLst>
             <pc:docMk/>
             <pc:sldMk cId="2031044150" sldId="332"/>
@@ -462,13 +488,13 @@
         </pc:graphicFrameChg>
       </pc:sldChg>
       <pc:sldChg chg="modSp">
-        <pc:chgData name="Tabetha Hopke" userId="5e7e88d54752368c" providerId="LiveId" clId="{18015A64-C91A-4977-B774-FE4B9081C1AA}" dt="2018-07-31T18:17:52.792" v="199" actId="20577"/>
+        <pc:chgData name="Tabetha Hopke" userId="5e7e88d54752368c" providerId="LiveId" clId="{18015A64-C91A-4977-B774-FE4B9081C1AA}" dt="2018-08-08T16:05:08.881" v="539" actId="20577"/>
         <pc:sldMkLst>
           <pc:docMk/>
           <pc:sldMk cId="291946580" sldId="333"/>
         </pc:sldMkLst>
         <pc:spChg chg="mod">
-          <ac:chgData name="Tabetha Hopke" userId="5e7e88d54752368c" providerId="LiveId" clId="{18015A64-C91A-4977-B774-FE4B9081C1AA}" dt="2018-07-31T18:17:52.792" v="199" actId="20577"/>
+          <ac:chgData name="Tabetha Hopke" userId="5e7e88d54752368c" providerId="LiveId" clId="{18015A64-C91A-4977-B774-FE4B9081C1AA}" dt="2018-08-08T16:05:08.881" v="539" actId="20577"/>
           <ac:spMkLst>
             <pc:docMk/>
             <pc:sldMk cId="291946580" sldId="333"/>
@@ -492,13 +518,13 @@
         </pc:spChg>
       </pc:sldChg>
       <pc:sldChg chg="modSp">
-        <pc:chgData name="Tabetha Hopke" userId="5e7e88d54752368c" providerId="LiveId" clId="{18015A64-C91A-4977-B774-FE4B9081C1AA}" dt="2018-07-31T18:19:12.985" v="207" actId="114"/>
+        <pc:chgData name="Tabetha Hopke" userId="5e7e88d54752368c" providerId="LiveId" clId="{18015A64-C91A-4977-B774-FE4B9081C1AA}" dt="2018-08-08T16:39:59.080" v="680"/>
         <pc:sldMkLst>
           <pc:docMk/>
           <pc:sldMk cId="856410030" sldId="335"/>
         </pc:sldMkLst>
         <pc:spChg chg="mod">
-          <ac:chgData name="Tabetha Hopke" userId="5e7e88d54752368c" providerId="LiveId" clId="{18015A64-C91A-4977-B774-FE4B9081C1AA}" dt="2018-07-31T18:19:12.985" v="207" actId="114"/>
+          <ac:chgData name="Tabetha Hopke" userId="5e7e88d54752368c" providerId="LiveId" clId="{18015A64-C91A-4977-B774-FE4B9081C1AA}" dt="2018-08-08T16:39:59.080" v="680"/>
           <ac:spMkLst>
             <pc:docMk/>
             <pc:sldMk cId="856410030" sldId="335"/>
@@ -506,8 +532,62 @@
           </ac:spMkLst>
         </pc:spChg>
       </pc:sldChg>
-      <pc:sldChg chg="modSp">
-        <pc:chgData name="Tabetha Hopke" userId="5e7e88d54752368c" providerId="LiveId" clId="{18015A64-C91A-4977-B774-FE4B9081C1AA}" dt="2018-07-31T18:04:11.548" v="6" actId="27636"/>
+      <pc:sldChg chg="addSp delSp modSp modNotesTx">
+        <pc:chgData name="Tabetha Hopke" userId="5e7e88d54752368c" providerId="LiveId" clId="{18015A64-C91A-4977-B774-FE4B9081C1AA}" dt="2018-08-08T16:42:14.014" v="745" actId="1076"/>
+        <pc:sldMkLst>
+          <pc:docMk/>
+          <pc:sldMk cId="1320294773" sldId="336"/>
+        </pc:sldMkLst>
+        <pc:spChg chg="mod">
+          <ac:chgData name="Tabetha Hopke" userId="5e7e88d54752368c" providerId="LiveId" clId="{18015A64-C91A-4977-B774-FE4B9081C1AA}" dt="2018-08-08T16:42:09.583" v="744" actId="20577"/>
+          <ac:spMkLst>
+            <pc:docMk/>
+            <pc:sldMk cId="1320294773" sldId="336"/>
+            <ac:spMk id="3" creationId="{00000000-0000-0000-0000-000000000000}"/>
+          </ac:spMkLst>
+        </pc:spChg>
+        <pc:spChg chg="del mod">
+          <ac:chgData name="Tabetha Hopke" userId="5e7e88d54752368c" providerId="LiveId" clId="{18015A64-C91A-4977-B774-FE4B9081C1AA}" dt="2018-08-08T16:21:24.383" v="593" actId="478"/>
+          <ac:spMkLst>
+            <pc:docMk/>
+            <pc:sldMk cId="1320294773" sldId="336"/>
+            <ac:spMk id="4" creationId="{00000000-0000-0000-0000-000000000000}"/>
+          </ac:spMkLst>
+        </pc:spChg>
+        <pc:picChg chg="add mod">
+          <ac:chgData name="Tabetha Hopke" userId="5e7e88d54752368c" providerId="LiveId" clId="{18015A64-C91A-4977-B774-FE4B9081C1AA}" dt="2018-08-08T16:42:14.014" v="745" actId="1076"/>
+          <ac:picMkLst>
+            <pc:docMk/>
+            <pc:sldMk cId="1320294773" sldId="336"/>
+            <ac:picMk id="5" creationId="{483C4B44-AFA2-4849-BAA2-71109DF4D469}"/>
+          </ac:picMkLst>
+        </pc:picChg>
+      </pc:sldChg>
+      <pc:sldChg chg="addSp delSp modSp">
+        <pc:chgData name="Tabetha Hopke" userId="5e7e88d54752368c" providerId="LiveId" clId="{18015A64-C91A-4977-B774-FE4B9081C1AA}" dt="2018-08-08T16:43:19.159" v="755" actId="5793"/>
+        <pc:sldMkLst>
+          <pc:docMk/>
+          <pc:sldMk cId="1942217419" sldId="337"/>
+        </pc:sldMkLst>
+        <pc:spChg chg="mod">
+          <ac:chgData name="Tabetha Hopke" userId="5e7e88d54752368c" providerId="LiveId" clId="{18015A64-C91A-4977-B774-FE4B9081C1AA}" dt="2018-08-08T16:43:19.159" v="755" actId="5793"/>
+          <ac:spMkLst>
+            <pc:docMk/>
+            <pc:sldMk cId="1942217419" sldId="337"/>
+            <ac:spMk id="3" creationId="{00000000-0000-0000-0000-000000000000}"/>
+          </ac:spMkLst>
+        </pc:spChg>
+        <pc:graphicFrameChg chg="add del modGraphic">
+          <ac:chgData name="Tabetha Hopke" userId="5e7e88d54752368c" providerId="LiveId" clId="{18015A64-C91A-4977-B774-FE4B9081C1AA}" dt="2018-08-08T16:40:27.967" v="684" actId="27309"/>
+          <ac:graphicFrameMkLst>
+            <pc:docMk/>
+            <pc:sldMk cId="1942217419" sldId="337"/>
+            <ac:graphicFrameMk id="5" creationId="{F86654DE-5A21-4C68-8B10-D127C9776088}"/>
+          </ac:graphicFrameMkLst>
+        </pc:graphicFrameChg>
+      </pc:sldChg>
+      <pc:sldChg chg="modSp modNotesTx">
+        <pc:chgData name="Tabetha Hopke" userId="5e7e88d54752368c" providerId="LiveId" clId="{18015A64-C91A-4977-B774-FE4B9081C1AA}" dt="2018-08-08T16:19:42.217" v="550" actId="20577"/>
         <pc:sldMkLst>
           <pc:docMk/>
           <pc:sldMk cId="1727187614" sldId="339"/>
@@ -520,7 +600,554 @@
             <ac:spMk id="5123" creationId="{00000000-0000-0000-0000-000000000000}"/>
           </ac:spMkLst>
         </pc:spChg>
+        <pc:spChg chg="mod">
+          <ac:chgData name="Tabetha Hopke" userId="5e7e88d54752368c" providerId="LiveId" clId="{18015A64-C91A-4977-B774-FE4B9081C1AA}" dt="2018-08-08T16:19:42.217" v="550" actId="20577"/>
+          <ac:spMkLst>
+            <pc:docMk/>
+            <pc:sldMk cId="1727187614" sldId="339"/>
+            <ac:spMk id="5124" creationId="{00000000-0000-0000-0000-000000000000}"/>
+          </ac:spMkLst>
+        </pc:spChg>
+        <pc:graphicFrameChg chg="mod">
+          <ac:chgData name="Tabetha Hopke" userId="5e7e88d54752368c" providerId="LiveId" clId="{18015A64-C91A-4977-B774-FE4B9081C1AA}" dt="2018-08-08T16:19:29.203" v="548" actId="1076"/>
+          <ac:graphicFrameMkLst>
+            <pc:docMk/>
+            <pc:sldMk cId="1727187614" sldId="339"/>
+            <ac:graphicFrameMk id="5122" creationId="{00000000-0000-0000-0000-000000000000}"/>
+          </ac:graphicFrameMkLst>
+        </pc:graphicFrameChg>
       </pc:sldChg>
+      <pc:sldChg chg="modSp">
+        <pc:chgData name="Tabetha Hopke" userId="5e7e88d54752368c" providerId="LiveId" clId="{18015A64-C91A-4977-B774-FE4B9081C1AA}" dt="2018-08-08T16:20:35.647" v="589" actId="114"/>
+        <pc:sldMkLst>
+          <pc:docMk/>
+          <pc:sldMk cId="1219213831" sldId="340"/>
+        </pc:sldMkLst>
+        <pc:spChg chg="mod">
+          <ac:chgData name="Tabetha Hopke" userId="5e7e88d54752368c" providerId="LiveId" clId="{18015A64-C91A-4977-B774-FE4B9081C1AA}" dt="2018-08-08T16:20:35.647" v="589" actId="114"/>
+          <ac:spMkLst>
+            <pc:docMk/>
+            <pc:sldMk cId="1219213831" sldId="340"/>
+            <ac:spMk id="3" creationId="{00000000-0000-0000-0000-000000000000}"/>
+          </ac:spMkLst>
+        </pc:spChg>
+      </pc:sldChg>
+      <pc:sldChg chg="del">
+        <pc:chgData name="Tabetha Hopke" userId="5e7e88d54752368c" providerId="LiveId" clId="{18015A64-C91A-4977-B774-FE4B9081C1AA}" dt="2018-08-08T16:05:43.691" v="540" actId="2696"/>
+        <pc:sldMkLst>
+          <pc:docMk/>
+          <pc:sldMk cId="512812871" sldId="341"/>
+        </pc:sldMkLst>
+      </pc:sldChg>
+      <pc:sldChg chg="addSp modSp add">
+        <pc:chgData name="Tabetha Hopke" userId="5e7e88d54752368c" providerId="LiveId" clId="{18015A64-C91A-4977-B774-FE4B9081C1AA}" dt="2018-08-08T16:45:25.579" v="834" actId="20577"/>
+        <pc:sldMkLst>
+          <pc:docMk/>
+          <pc:sldMk cId="1547964927" sldId="341"/>
+        </pc:sldMkLst>
+        <pc:spChg chg="mod">
+          <ac:chgData name="Tabetha Hopke" userId="5e7e88d54752368c" providerId="LiveId" clId="{18015A64-C91A-4977-B774-FE4B9081C1AA}" dt="2018-08-08T16:43:42.298" v="768" actId="20577"/>
+          <ac:spMkLst>
+            <pc:docMk/>
+            <pc:sldMk cId="1547964927" sldId="341"/>
+            <ac:spMk id="2" creationId="{456E1085-F57F-4921-AA4A-FB70891FAE22}"/>
+          </ac:spMkLst>
+        </pc:spChg>
+        <pc:spChg chg="mod">
+          <ac:chgData name="Tabetha Hopke" userId="5e7e88d54752368c" providerId="LiveId" clId="{18015A64-C91A-4977-B774-FE4B9081C1AA}" dt="2018-08-08T16:45:25.579" v="834" actId="20577"/>
+          <ac:spMkLst>
+            <pc:docMk/>
+            <pc:sldMk cId="1547964927" sldId="341"/>
+            <ac:spMk id="3" creationId="{C8370B41-EC03-4CD4-BB64-448C19C70E0A}"/>
+          </ac:spMkLst>
+        </pc:spChg>
+        <pc:picChg chg="add mod">
+          <ac:chgData name="Tabetha Hopke" userId="5e7e88d54752368c" providerId="LiveId" clId="{18015A64-C91A-4977-B774-FE4B9081C1AA}" dt="2018-08-08T16:45:16.997" v="825" actId="1076"/>
+          <ac:picMkLst>
+            <pc:docMk/>
+            <pc:sldMk cId="1547964927" sldId="341"/>
+            <ac:picMk id="4" creationId="{FC1AD789-FA4C-467C-880C-D0C84E56FF82}"/>
+          </ac:picMkLst>
+        </pc:picChg>
+      </pc:sldChg>
+      <pc:sldChg chg="del">
+        <pc:chgData name="Tabetha Hopke" userId="5e7e88d54752368c" providerId="LiveId" clId="{18015A64-C91A-4977-B774-FE4B9081C1AA}" dt="2018-08-08T16:05:49.836" v="541" actId="2696"/>
+        <pc:sldMkLst>
+          <pc:docMk/>
+          <pc:sldMk cId="812717754" sldId="342"/>
+        </pc:sldMkLst>
+      </pc:sldChg>
+      <pc:sldChg chg="addSp delSp modSp add">
+        <pc:chgData name="Tabetha Hopke" userId="5e7e88d54752368c" providerId="LiveId" clId="{18015A64-C91A-4977-B774-FE4B9081C1AA}" dt="2018-08-08T16:53:40.575" v="1146" actId="1076"/>
+        <pc:sldMkLst>
+          <pc:docMk/>
+          <pc:sldMk cId="2091266570" sldId="342"/>
+        </pc:sldMkLst>
+        <pc:spChg chg="mod">
+          <ac:chgData name="Tabetha Hopke" userId="5e7e88d54752368c" providerId="LiveId" clId="{18015A64-C91A-4977-B774-FE4B9081C1AA}" dt="2018-08-08T16:45:42.324" v="848" actId="20577"/>
+          <ac:spMkLst>
+            <pc:docMk/>
+            <pc:sldMk cId="2091266570" sldId="342"/>
+            <ac:spMk id="2" creationId="{0E6AFC9B-9506-4E3E-AD60-4733E085F28F}"/>
+          </ac:spMkLst>
+        </pc:spChg>
+        <pc:spChg chg="mod">
+          <ac:chgData name="Tabetha Hopke" userId="5e7e88d54752368c" providerId="LiveId" clId="{18015A64-C91A-4977-B774-FE4B9081C1AA}" dt="2018-08-08T16:53:33.917" v="1143"/>
+          <ac:spMkLst>
+            <pc:docMk/>
+            <pc:sldMk cId="2091266570" sldId="342"/>
+            <ac:spMk id="3" creationId="{0CEE43FC-5B18-4377-BA91-0ADC15546E1D}"/>
+          </ac:spMkLst>
+        </pc:spChg>
+        <pc:picChg chg="add del mod modCrop">
+          <ac:chgData name="Tabetha Hopke" userId="5e7e88d54752368c" providerId="LiveId" clId="{18015A64-C91A-4977-B774-FE4B9081C1AA}" dt="2018-08-08T16:52:51.716" v="1127"/>
+          <ac:picMkLst>
+            <pc:docMk/>
+            <pc:sldMk cId="2091266570" sldId="342"/>
+            <ac:picMk id="4" creationId="{17610CF5-4BBF-493F-AE0A-31AED822ADD0}"/>
+          </ac:picMkLst>
+        </pc:picChg>
+        <pc:picChg chg="add mod">
+          <ac:chgData name="Tabetha Hopke" userId="5e7e88d54752368c" providerId="LiveId" clId="{18015A64-C91A-4977-B774-FE4B9081C1AA}" dt="2018-08-08T16:53:40.575" v="1146" actId="1076"/>
+          <ac:picMkLst>
+            <pc:docMk/>
+            <pc:sldMk cId="2091266570" sldId="342"/>
+            <ac:picMk id="5" creationId="{894511D9-DDC2-46F5-8A2D-359EE8A71CE0}"/>
+          </ac:picMkLst>
+        </pc:picChg>
+      </pc:sldChg>
+      <pc:sldChg chg="del">
+        <pc:chgData name="Tabetha Hopke" userId="5e7e88d54752368c" providerId="LiveId" clId="{18015A64-C91A-4977-B774-FE4B9081C1AA}" dt="2018-08-08T16:05:52.070" v="542" actId="2696"/>
+        <pc:sldMkLst>
+          <pc:docMk/>
+          <pc:sldMk cId="1175363276" sldId="343"/>
+        </pc:sldMkLst>
+      </pc:sldChg>
+      <pc:sldChg chg="modSp add del">
+        <pc:chgData name="Tabetha Hopke" userId="5e7e88d54752368c" providerId="LiveId" clId="{18015A64-C91A-4977-B774-FE4B9081C1AA}" dt="2018-08-08T16:52:47.867" v="1125"/>
+        <pc:sldMkLst>
+          <pc:docMk/>
+          <pc:sldMk cId="2251714698" sldId="343"/>
+        </pc:sldMkLst>
+        <pc:spChg chg="mod">
+          <ac:chgData name="Tabetha Hopke" userId="5e7e88d54752368c" providerId="LiveId" clId="{18015A64-C91A-4977-B774-FE4B9081C1AA}" dt="2018-08-08T16:52:46.990" v="1124" actId="20577"/>
+          <ac:spMkLst>
+            <pc:docMk/>
+            <pc:sldMk cId="2251714698" sldId="343"/>
+            <ac:spMk id="2" creationId="{BECE77B5-56D7-40BC-855C-E5BDE2FB915A}"/>
+          </ac:spMkLst>
+        </pc:spChg>
+        <pc:spChg chg="mod">
+          <ac:chgData name="Tabetha Hopke" userId="5e7e88d54752368c" providerId="LiveId" clId="{18015A64-C91A-4977-B774-FE4B9081C1AA}" dt="2018-08-08T16:52:42.274" v="1123"/>
+          <ac:spMkLst>
+            <pc:docMk/>
+            <pc:sldMk cId="2251714698" sldId="343"/>
+            <ac:spMk id="3" creationId="{8BAF5A59-1CAC-44E5-B156-DB5124443A8C}"/>
+          </ac:spMkLst>
+        </pc:spChg>
+      </pc:sldChg>
+      <pc:sldChg chg="modSp add">
+        <pc:chgData name="Tabetha Hopke" userId="5e7e88d54752368c" providerId="LiveId" clId="{18015A64-C91A-4977-B774-FE4B9081C1AA}" dt="2018-08-08T16:54:16.817" v="1227" actId="20577"/>
+        <pc:sldMkLst>
+          <pc:docMk/>
+          <pc:sldMk cId="3557831574" sldId="343"/>
+        </pc:sldMkLst>
+        <pc:spChg chg="mod">
+          <ac:chgData name="Tabetha Hopke" userId="5e7e88d54752368c" providerId="LiveId" clId="{18015A64-C91A-4977-B774-FE4B9081C1AA}" dt="2018-08-08T16:53:02.506" v="1141" actId="20577"/>
+          <ac:spMkLst>
+            <pc:docMk/>
+            <pc:sldMk cId="3557831574" sldId="343"/>
+            <ac:spMk id="2" creationId="{2D9CF9AB-0F47-403F-97E1-CCED6B145FAE}"/>
+          </ac:spMkLst>
+        </pc:spChg>
+        <pc:spChg chg="mod">
+          <ac:chgData name="Tabetha Hopke" userId="5e7e88d54752368c" providerId="LiveId" clId="{18015A64-C91A-4977-B774-FE4B9081C1AA}" dt="2018-08-08T16:54:16.817" v="1227" actId="20577"/>
+          <ac:spMkLst>
+            <pc:docMk/>
+            <pc:sldMk cId="3557831574" sldId="343"/>
+            <ac:spMk id="3" creationId="{AB2F2F61-6070-49DA-B145-DB3F904D75DE}"/>
+          </ac:spMkLst>
+        </pc:spChg>
+      </pc:sldChg>
+      <pc:sldChg chg="del">
+        <pc:chgData name="Tabetha Hopke" userId="5e7e88d54752368c" providerId="LiveId" clId="{18015A64-C91A-4977-B774-FE4B9081C1AA}" dt="2018-08-08T16:05:53.838" v="543" actId="2696"/>
+        <pc:sldMkLst>
+          <pc:docMk/>
+          <pc:sldMk cId="596543039" sldId="344"/>
+        </pc:sldMkLst>
+      </pc:sldChg>
+      <pc:sldChg chg="addSp modSp add">
+        <pc:chgData name="Tabetha Hopke" userId="5e7e88d54752368c" providerId="LiveId" clId="{18015A64-C91A-4977-B774-FE4B9081C1AA}" dt="2018-08-08T16:58:50.123" v="1454" actId="1076"/>
+        <pc:sldMkLst>
+          <pc:docMk/>
+          <pc:sldMk cId="965349749" sldId="344"/>
+        </pc:sldMkLst>
+        <pc:spChg chg="mod">
+          <ac:chgData name="Tabetha Hopke" userId="5e7e88d54752368c" providerId="LiveId" clId="{18015A64-C91A-4977-B774-FE4B9081C1AA}" dt="2018-08-08T16:54:26.018" v="1239" actId="20577"/>
+          <ac:spMkLst>
+            <pc:docMk/>
+            <pc:sldMk cId="965349749" sldId="344"/>
+            <ac:spMk id="2" creationId="{3EBA9877-18F8-49ED-9AC0-9772B14B545B}"/>
+          </ac:spMkLst>
+        </pc:spChg>
+        <pc:spChg chg="mod">
+          <ac:chgData name="Tabetha Hopke" userId="5e7e88d54752368c" providerId="LiveId" clId="{18015A64-C91A-4977-B774-FE4B9081C1AA}" dt="2018-08-08T16:58:22.967" v="1449" actId="20577"/>
+          <ac:spMkLst>
+            <pc:docMk/>
+            <pc:sldMk cId="965349749" sldId="344"/>
+            <ac:spMk id="3" creationId="{59CA713F-3481-4827-B4F9-592913E51868}"/>
+          </ac:spMkLst>
+        </pc:spChg>
+        <pc:picChg chg="add mod modCrop">
+          <ac:chgData name="Tabetha Hopke" userId="5e7e88d54752368c" providerId="LiveId" clId="{18015A64-C91A-4977-B774-FE4B9081C1AA}" dt="2018-08-08T16:58:50.123" v="1454" actId="1076"/>
+          <ac:picMkLst>
+            <pc:docMk/>
+            <pc:sldMk cId="965349749" sldId="344"/>
+            <ac:picMk id="4" creationId="{875B9E87-DF1F-46BD-ABC7-50711CEA837A}"/>
+          </ac:picMkLst>
+        </pc:picChg>
+      </pc:sldChg>
+      <pc:sldChg chg="delSp modSp del">
+        <pc:chgData name="Tabetha Hopke" userId="5e7e88d54752368c" providerId="LiveId" clId="{18015A64-C91A-4977-B774-FE4B9081C1AA}" dt="2018-08-08T16:43:25.055" v="756" actId="2696"/>
+        <pc:sldMkLst>
+          <pc:docMk/>
+          <pc:sldMk cId="15838427" sldId="345"/>
+        </pc:sldMkLst>
+        <pc:spChg chg="mod">
+          <ac:chgData name="Tabetha Hopke" userId="5e7e88d54752368c" providerId="LiveId" clId="{18015A64-C91A-4977-B774-FE4B9081C1AA}" dt="2018-08-08T16:42:59.931" v="749"/>
+          <ac:spMkLst>
+            <pc:docMk/>
+            <pc:sldMk cId="15838427" sldId="345"/>
+            <ac:spMk id="3" creationId="{00000000-0000-0000-0000-000000000000}"/>
+          </ac:spMkLst>
+        </pc:spChg>
+        <pc:picChg chg="del">
+          <ac:chgData name="Tabetha Hopke" userId="5e7e88d54752368c" providerId="LiveId" clId="{18015A64-C91A-4977-B774-FE4B9081C1AA}" dt="2018-08-08T16:06:36.230" v="547" actId="478"/>
+          <ac:picMkLst>
+            <pc:docMk/>
+            <pc:sldMk cId="15838427" sldId="345"/>
+            <ac:picMk id="5" creationId="{00000000-0000-0000-0000-000000000000}"/>
+          </ac:picMkLst>
+        </pc:picChg>
+      </pc:sldChg>
+      <pc:sldChg chg="addSp modSp add">
+        <pc:chgData name="Tabetha Hopke" userId="5e7e88d54752368c" providerId="LiveId" clId="{18015A64-C91A-4977-B774-FE4B9081C1AA}" dt="2018-08-08T17:04:42.161" v="1724" actId="20577"/>
+        <pc:sldMkLst>
+          <pc:docMk/>
+          <pc:sldMk cId="188488061" sldId="345"/>
+        </pc:sldMkLst>
+        <pc:spChg chg="mod">
+          <ac:chgData name="Tabetha Hopke" userId="5e7e88d54752368c" providerId="LiveId" clId="{18015A64-C91A-4977-B774-FE4B9081C1AA}" dt="2018-08-08T16:58:58.428" v="1466" actId="20577"/>
+          <ac:spMkLst>
+            <pc:docMk/>
+            <pc:sldMk cId="188488061" sldId="345"/>
+            <ac:spMk id="2" creationId="{A2E19315-97C9-4E1B-8294-4AF473802599}"/>
+          </ac:spMkLst>
+        </pc:spChg>
+        <pc:spChg chg="mod">
+          <ac:chgData name="Tabetha Hopke" userId="5e7e88d54752368c" providerId="LiveId" clId="{18015A64-C91A-4977-B774-FE4B9081C1AA}" dt="2018-08-08T17:04:42.161" v="1724" actId="20577"/>
+          <ac:spMkLst>
+            <pc:docMk/>
+            <pc:sldMk cId="188488061" sldId="345"/>
+            <ac:spMk id="3" creationId="{FE2A7FBF-3612-4F87-A5C6-4F5F147B0511}"/>
+          </ac:spMkLst>
+        </pc:spChg>
+        <pc:spChg chg="add mod">
+          <ac:chgData name="Tabetha Hopke" userId="5e7e88d54752368c" providerId="LiveId" clId="{18015A64-C91A-4977-B774-FE4B9081C1AA}" dt="2018-08-08T17:02:31.564" v="1601" actId="1076"/>
+          <ac:spMkLst>
+            <pc:docMk/>
+            <pc:sldMk cId="188488061" sldId="345"/>
+            <ac:spMk id="6" creationId="{57EE711F-953B-417D-A43D-9C25E8EC1391}"/>
+          </ac:spMkLst>
+        </pc:spChg>
+        <pc:picChg chg="add mod modCrop">
+          <ac:chgData name="Tabetha Hopke" userId="5e7e88d54752368c" providerId="LiveId" clId="{18015A64-C91A-4977-B774-FE4B9081C1AA}" dt="2018-08-08T17:01:40.029" v="1597" actId="1076"/>
+          <ac:picMkLst>
+            <pc:docMk/>
+            <pc:sldMk cId="188488061" sldId="345"/>
+            <ac:picMk id="4" creationId="{DCE2844B-9129-4D28-AF00-82ABAEFEFEB2}"/>
+          </ac:picMkLst>
+        </pc:picChg>
+        <pc:picChg chg="add mod">
+          <ac:chgData name="Tabetha Hopke" userId="5e7e88d54752368c" providerId="LiveId" clId="{18015A64-C91A-4977-B774-FE4B9081C1AA}" dt="2018-08-08T17:02:07.149" v="1599" actId="1076"/>
+          <ac:picMkLst>
+            <pc:docMk/>
+            <pc:sldMk cId="188488061" sldId="345"/>
+            <ac:picMk id="5" creationId="{96D293B1-67D5-4C13-AE1E-ABFD5983E9EC}"/>
+          </ac:picMkLst>
+        </pc:picChg>
+      </pc:sldChg>
+      <pc:sldChg chg="addSp delSp modSp add ord">
+        <pc:chgData name="Tabetha Hopke" userId="5e7e88d54752368c" providerId="LiveId" clId="{18015A64-C91A-4977-B774-FE4B9081C1AA}" dt="2018-08-08T17:11:35.950" v="2195"/>
+        <pc:sldMkLst>
+          <pc:docMk/>
+          <pc:sldMk cId="1074381458" sldId="346"/>
+        </pc:sldMkLst>
+        <pc:spChg chg="mod">
+          <ac:chgData name="Tabetha Hopke" userId="5e7e88d54752368c" providerId="LiveId" clId="{18015A64-C91A-4977-B774-FE4B9081C1AA}" dt="2018-08-08T17:02:49.497" v="1621" actId="20577"/>
+          <ac:spMkLst>
+            <pc:docMk/>
+            <pc:sldMk cId="1074381458" sldId="346"/>
+            <ac:spMk id="2" creationId="{3D615C63-AD43-4C3D-B128-B8653B3EA307}"/>
+          </ac:spMkLst>
+        </pc:spChg>
+        <pc:spChg chg="mod">
+          <ac:chgData name="Tabetha Hopke" userId="5e7e88d54752368c" providerId="LiveId" clId="{18015A64-C91A-4977-B774-FE4B9081C1AA}" dt="2018-08-08T17:11:16.329" v="2190" actId="20577"/>
+          <ac:spMkLst>
+            <pc:docMk/>
+            <pc:sldMk cId="1074381458" sldId="346"/>
+            <ac:spMk id="3" creationId="{3752DB03-153F-4AF2-B586-05951D6C167C}"/>
+          </ac:spMkLst>
+        </pc:spChg>
+        <pc:spChg chg="add del">
+          <ac:chgData name="Tabetha Hopke" userId="5e7e88d54752368c" providerId="LiveId" clId="{18015A64-C91A-4977-B774-FE4B9081C1AA}" dt="2018-08-08T17:09:20.488" v="2091"/>
+          <ac:spMkLst>
+            <pc:docMk/>
+            <pc:sldMk cId="1074381458" sldId="346"/>
+            <ac:spMk id="4" creationId="{A884FBD8-5241-4DDA-8FF8-C7E38D24C62E}"/>
+          </ac:spMkLst>
+        </pc:spChg>
+        <pc:spChg chg="add del">
+          <ac:chgData name="Tabetha Hopke" userId="5e7e88d54752368c" providerId="LiveId" clId="{18015A64-C91A-4977-B774-FE4B9081C1AA}" dt="2018-08-08T17:05:11.910" v="1788"/>
+          <ac:spMkLst>
+            <pc:docMk/>
+            <pc:sldMk cId="1074381458" sldId="346"/>
+            <ac:spMk id="5" creationId="{4E25BB4A-FD91-4D0B-97FC-B604709F7B75}"/>
+          </ac:spMkLst>
+        </pc:spChg>
+        <pc:spChg chg="add del mod">
+          <ac:chgData name="Tabetha Hopke" userId="5e7e88d54752368c" providerId="LiveId" clId="{18015A64-C91A-4977-B774-FE4B9081C1AA}" dt="2018-08-08T17:09:50.790" v="2101" actId="478"/>
+          <ac:spMkLst>
+            <pc:docMk/>
+            <pc:sldMk cId="1074381458" sldId="346"/>
+            <ac:spMk id="7" creationId="{2C8AE5FB-9E31-4869-9CBD-C8B84DB2941E}"/>
+          </ac:spMkLst>
+        </pc:spChg>
+        <pc:spChg chg="add del mod">
+          <ac:chgData name="Tabetha Hopke" userId="5e7e88d54752368c" providerId="LiveId" clId="{18015A64-C91A-4977-B774-FE4B9081C1AA}" dt="2018-08-08T17:11:26.966" v="2192" actId="478"/>
+          <ac:spMkLst>
+            <pc:docMk/>
+            <pc:sldMk cId="1074381458" sldId="346"/>
+            <ac:spMk id="8" creationId="{9E563E75-CE58-4BA7-BD39-0A17B1A38EF0}"/>
+          </ac:spMkLst>
+        </pc:spChg>
+        <pc:spChg chg="add del mod">
+          <ac:chgData name="Tabetha Hopke" userId="5e7e88d54752368c" providerId="LiveId" clId="{18015A64-C91A-4977-B774-FE4B9081C1AA}" dt="2018-08-08T17:11:28.652" v="2193" actId="478"/>
+          <ac:spMkLst>
+            <pc:docMk/>
+            <pc:sldMk cId="1074381458" sldId="346"/>
+            <ac:spMk id="9" creationId="{91317D1E-6FD0-4862-B456-272CA3AC3D65}"/>
+          </ac:spMkLst>
+        </pc:spChg>
+        <pc:spChg chg="add del mod">
+          <ac:chgData name="Tabetha Hopke" userId="5e7e88d54752368c" providerId="LiveId" clId="{18015A64-C91A-4977-B774-FE4B9081C1AA}" dt="2018-08-08T17:11:24.151" v="2191" actId="478"/>
+          <ac:spMkLst>
+            <pc:docMk/>
+            <pc:sldMk cId="1074381458" sldId="346"/>
+            <ac:spMk id="10" creationId="{4A4E7FD0-1852-4D84-BFF8-9BD1467AFB9C}"/>
+          </ac:spMkLst>
+        </pc:spChg>
+        <pc:picChg chg="add mod modCrop">
+          <ac:chgData name="Tabetha Hopke" userId="5e7e88d54752368c" providerId="LiveId" clId="{18015A64-C91A-4977-B774-FE4B9081C1AA}" dt="2018-08-08T17:09:03.472" v="2086" actId="14100"/>
+          <ac:picMkLst>
+            <pc:docMk/>
+            <pc:sldMk cId="1074381458" sldId="346"/>
+            <ac:picMk id="6" creationId="{6893541E-4EB2-4AE8-8EBB-4CF2D56C23EC}"/>
+          </ac:picMkLst>
+        </pc:picChg>
+      </pc:sldChg>
+      <pc:sldChg chg="modSp del">
+        <pc:chgData name="Tabetha Hopke" userId="5e7e88d54752368c" providerId="LiveId" clId="{18015A64-C91A-4977-B774-FE4B9081C1AA}" dt="2018-08-08T16:19:55.602" v="551" actId="2696"/>
+        <pc:sldMkLst>
+          <pc:docMk/>
+          <pc:sldMk cId="1397210890" sldId="346"/>
+        </pc:sldMkLst>
+        <pc:spChg chg="mod">
+          <ac:chgData name="Tabetha Hopke" userId="5e7e88d54752368c" providerId="LiveId" clId="{18015A64-C91A-4977-B774-FE4B9081C1AA}" dt="2018-07-31T19:16:49.401" v="419" actId="20577"/>
+          <ac:spMkLst>
+            <pc:docMk/>
+            <pc:sldMk cId="1397210890" sldId="346"/>
+            <ac:spMk id="4" creationId="{00000000-0000-0000-0000-000000000000}"/>
+          </ac:spMkLst>
+        </pc:spChg>
+      </pc:sldChg>
+      <pc:sldChg chg="addSp modSp add">
+        <pc:chgData name="Tabetha Hopke" userId="5e7e88d54752368c" providerId="LiveId" clId="{18015A64-C91A-4977-B774-FE4B9081C1AA}" dt="2018-08-08T17:14:31.975" v="2298" actId="114"/>
+        <pc:sldMkLst>
+          <pc:docMk/>
+          <pc:sldMk cId="1114177238" sldId="347"/>
+        </pc:sldMkLst>
+        <pc:spChg chg="mod">
+          <ac:chgData name="Tabetha Hopke" userId="5e7e88d54752368c" providerId="LiveId" clId="{18015A64-C91A-4977-B774-FE4B9081C1AA}" dt="2018-08-08T17:11:42.775" v="2207" actId="20577"/>
+          <ac:spMkLst>
+            <pc:docMk/>
+            <pc:sldMk cId="1114177238" sldId="347"/>
+            <ac:spMk id="2" creationId="{24548944-6FF5-4C36-A152-27B18725F66D}"/>
+          </ac:spMkLst>
+        </pc:spChg>
+        <pc:spChg chg="mod">
+          <ac:chgData name="Tabetha Hopke" userId="5e7e88d54752368c" providerId="LiveId" clId="{18015A64-C91A-4977-B774-FE4B9081C1AA}" dt="2018-08-08T17:14:31.975" v="2298" actId="114"/>
+          <ac:spMkLst>
+            <pc:docMk/>
+            <pc:sldMk cId="1114177238" sldId="347"/>
+            <ac:spMk id="3" creationId="{093B314E-1DC0-41E8-8D0C-67D0E7E4E08F}"/>
+          </ac:spMkLst>
+        </pc:spChg>
+        <pc:picChg chg="add mod">
+          <ac:chgData name="Tabetha Hopke" userId="5e7e88d54752368c" providerId="LiveId" clId="{18015A64-C91A-4977-B774-FE4B9081C1AA}" dt="2018-08-08T17:14:10.428" v="2275" actId="14100"/>
+          <ac:picMkLst>
+            <pc:docMk/>
+            <pc:sldMk cId="1114177238" sldId="347"/>
+            <ac:picMk id="4" creationId="{FFCC44F4-7952-4C75-B461-64495240DCEC}"/>
+          </ac:picMkLst>
+        </pc:picChg>
+      </pc:sldChg>
+      <pc:sldChg chg="addSp modSp add">
+        <pc:chgData name="Tabetha Hopke" userId="5e7e88d54752368c" providerId="LiveId" clId="{18015A64-C91A-4977-B774-FE4B9081C1AA}" dt="2018-08-08T17:18:44.078" v="2484" actId="1076"/>
+        <pc:sldMkLst>
+          <pc:docMk/>
+          <pc:sldMk cId="1296940064" sldId="348"/>
+        </pc:sldMkLst>
+        <pc:spChg chg="mod">
+          <ac:chgData name="Tabetha Hopke" userId="5e7e88d54752368c" providerId="LiveId" clId="{18015A64-C91A-4977-B774-FE4B9081C1AA}" dt="2018-08-08T17:14:47.545" v="2312" actId="20577"/>
+          <ac:spMkLst>
+            <pc:docMk/>
+            <pc:sldMk cId="1296940064" sldId="348"/>
+            <ac:spMk id="2" creationId="{43821207-5437-4010-BC2A-1FA4A07E4CC6}"/>
+          </ac:spMkLst>
+        </pc:spChg>
+        <pc:spChg chg="mod">
+          <ac:chgData name="Tabetha Hopke" userId="5e7e88d54752368c" providerId="LiveId" clId="{18015A64-C91A-4977-B774-FE4B9081C1AA}" dt="2018-08-08T17:18:36.238" v="2483" actId="27636"/>
+          <ac:spMkLst>
+            <pc:docMk/>
+            <pc:sldMk cId="1296940064" sldId="348"/>
+            <ac:spMk id="3" creationId="{739AA296-16F7-4FF8-A0F4-FCAB8E13AD1A}"/>
+          </ac:spMkLst>
+        </pc:spChg>
+        <pc:picChg chg="add mod">
+          <ac:chgData name="Tabetha Hopke" userId="5e7e88d54752368c" providerId="LiveId" clId="{18015A64-C91A-4977-B774-FE4B9081C1AA}" dt="2018-08-08T17:18:44.078" v="2484" actId="1076"/>
+          <ac:picMkLst>
+            <pc:docMk/>
+            <pc:sldMk cId="1296940064" sldId="348"/>
+            <ac:picMk id="4" creationId="{88529D86-07B3-48F6-B598-BD34B15E3DC0}"/>
+          </ac:picMkLst>
+        </pc:picChg>
+      </pc:sldChg>
+      <pc:sldChg chg="modSp add">
+        <pc:chgData name="Tabetha Hopke" userId="5e7e88d54752368c" providerId="LiveId" clId="{18015A64-C91A-4977-B774-FE4B9081C1AA}" dt="2018-08-08T17:20:08.776" v="2521" actId="20577"/>
+        <pc:sldMkLst>
+          <pc:docMk/>
+          <pc:sldMk cId="1002453925" sldId="349"/>
+        </pc:sldMkLst>
+        <pc:spChg chg="mod">
+          <ac:chgData name="Tabetha Hopke" userId="5e7e88d54752368c" providerId="LiveId" clId="{18015A64-C91A-4977-B774-FE4B9081C1AA}" dt="2018-08-08T17:19:00.385" v="2512" actId="20577"/>
+          <ac:spMkLst>
+            <pc:docMk/>
+            <pc:sldMk cId="1002453925" sldId="349"/>
+            <ac:spMk id="2" creationId="{BDCA1CB4-BA88-403A-941A-0B05D8163A0E}"/>
+          </ac:spMkLst>
+        </pc:spChg>
+        <pc:spChg chg="mod">
+          <ac:chgData name="Tabetha Hopke" userId="5e7e88d54752368c" providerId="LiveId" clId="{18015A64-C91A-4977-B774-FE4B9081C1AA}" dt="2018-08-08T17:20:08.776" v="2521" actId="20577"/>
+          <ac:spMkLst>
+            <pc:docMk/>
+            <pc:sldMk cId="1002453925" sldId="349"/>
+            <ac:spMk id="3" creationId="{1DC25AE8-0FD3-4A97-87D4-64A4506066FE}"/>
+          </ac:spMkLst>
+        </pc:spChg>
+      </pc:sldChg>
+      <pc:sldMasterChg chg="modSp modSldLayout">
+        <pc:chgData name="Tabetha Hopke" userId="5e7e88d54752368c" providerId="LiveId" clId="{18015A64-C91A-4977-B774-FE4B9081C1AA}" dt="2018-08-08T16:03:53.237" v="533" actId="255"/>
+        <pc:sldMasterMkLst>
+          <pc:docMk/>
+          <pc:sldMasterMk cId="2232095129" sldId="2147483774"/>
+        </pc:sldMasterMkLst>
+        <pc:spChg chg="mod">
+          <ac:chgData name="Tabetha Hopke" userId="5e7e88d54752368c" providerId="LiveId" clId="{18015A64-C91A-4977-B774-FE4B9081C1AA}" dt="2018-08-08T16:03:53.237" v="533" actId="255"/>
+          <ac:spMkLst>
+            <pc:docMk/>
+            <pc:sldMasterMk cId="2232095129" sldId="2147483774"/>
+            <ac:spMk id="3" creationId="{00000000-0000-0000-0000-000000000000}"/>
+          </ac:spMkLst>
+        </pc:spChg>
+        <pc:sldLayoutChg chg="modSp">
+          <pc:chgData name="Tabetha Hopke" userId="5e7e88d54752368c" providerId="LiveId" clId="{18015A64-C91A-4977-B774-FE4B9081C1AA}" dt="2018-08-08T16:03:37.918" v="531" actId="255"/>
+          <pc:sldLayoutMkLst>
+            <pc:docMk/>
+            <pc:sldMasterMk cId="2232095129" sldId="2147483774"/>
+            <pc:sldLayoutMk cId="527977815" sldId="2147483775"/>
+          </pc:sldLayoutMkLst>
+          <pc:spChg chg="mod">
+            <ac:chgData name="Tabetha Hopke" userId="5e7e88d54752368c" providerId="LiveId" clId="{18015A64-C91A-4977-B774-FE4B9081C1AA}" dt="2018-08-08T16:03:37.918" v="531" actId="255"/>
+            <ac:spMkLst>
+              <pc:docMk/>
+              <pc:sldMasterMk cId="2232095129" sldId="2147483774"/>
+              <pc:sldLayoutMk cId="527977815" sldId="2147483775"/>
+              <ac:spMk id="2" creationId="{00000000-0000-0000-0000-000000000000}"/>
+            </ac:spMkLst>
+          </pc:spChg>
+        </pc:sldLayoutChg>
+        <pc:sldLayoutChg chg="modSp">
+          <pc:chgData name="Tabetha Hopke" userId="5e7e88d54752368c" providerId="LiveId" clId="{18015A64-C91A-4977-B774-FE4B9081C1AA}" dt="2018-08-08T16:02:43.591" v="524" actId="255"/>
+          <pc:sldLayoutMkLst>
+            <pc:docMk/>
+            <pc:sldMasterMk cId="2232095129" sldId="2147483774"/>
+            <pc:sldLayoutMk cId="2900336412" sldId="2147483776"/>
+          </pc:sldLayoutMkLst>
+          <pc:spChg chg="mod">
+            <ac:chgData name="Tabetha Hopke" userId="5e7e88d54752368c" providerId="LiveId" clId="{18015A64-C91A-4977-B774-FE4B9081C1AA}" dt="2018-08-08T16:02:43.591" v="524" actId="255"/>
+            <ac:spMkLst>
+              <pc:docMk/>
+              <pc:sldMasterMk cId="2232095129" sldId="2147483774"/>
+              <pc:sldLayoutMk cId="2900336412" sldId="2147483776"/>
+              <ac:spMk id="3" creationId="{00000000-0000-0000-0000-000000000000}"/>
+            </ac:spMkLst>
+          </pc:spChg>
+        </pc:sldLayoutChg>
+        <pc:sldLayoutChg chg="modSp">
+          <pc:chgData name="Tabetha Hopke" userId="5e7e88d54752368c" providerId="LiveId" clId="{18015A64-C91A-4977-B774-FE4B9081C1AA}" dt="2018-08-08T16:03:23.918" v="530" actId="255"/>
+          <pc:sldLayoutMkLst>
+            <pc:docMk/>
+            <pc:sldMasterMk cId="2232095129" sldId="2147483774"/>
+            <pc:sldLayoutMk cId="3304884845" sldId="2147483777"/>
+          </pc:sldLayoutMkLst>
+          <pc:spChg chg="mod">
+            <ac:chgData name="Tabetha Hopke" userId="5e7e88d54752368c" providerId="LiveId" clId="{18015A64-C91A-4977-B774-FE4B9081C1AA}" dt="2018-08-08T16:03:23.918" v="530" actId="255"/>
+            <ac:spMkLst>
+              <pc:docMk/>
+              <pc:sldMasterMk cId="2232095129" sldId="2147483774"/>
+              <pc:sldLayoutMk cId="3304884845" sldId="2147483777"/>
+              <ac:spMk id="2" creationId="{00000000-0000-0000-0000-000000000000}"/>
+            </ac:spMkLst>
+          </pc:spChg>
+        </pc:sldLayoutChg>
+        <pc:sldLayoutChg chg="modSp">
+          <pc:chgData name="Tabetha Hopke" userId="5e7e88d54752368c" providerId="LiveId" clId="{18015A64-C91A-4977-B774-FE4B9081C1AA}" dt="2018-08-08T16:03:16.557" v="529" actId="255"/>
+          <pc:sldLayoutMkLst>
+            <pc:docMk/>
+            <pc:sldMasterMk cId="2232095129" sldId="2147483774"/>
+            <pc:sldLayoutMk cId="3255478147" sldId="2147483778"/>
+          </pc:sldLayoutMkLst>
+          <pc:spChg chg="mod">
+            <ac:chgData name="Tabetha Hopke" userId="5e7e88d54752368c" providerId="LiveId" clId="{18015A64-C91A-4977-B774-FE4B9081C1AA}" dt="2018-08-08T16:03:05.863" v="527" actId="255"/>
+            <ac:spMkLst>
+              <pc:docMk/>
+              <pc:sldMasterMk cId="2232095129" sldId="2147483774"/>
+              <pc:sldLayoutMk cId="3255478147" sldId="2147483778"/>
+              <ac:spMk id="3" creationId="{00000000-0000-0000-0000-000000000000}"/>
+            </ac:spMkLst>
+          </pc:spChg>
+          <pc:spChg chg="mod">
+            <ac:chgData name="Tabetha Hopke" userId="5e7e88d54752368c" providerId="LiveId" clId="{18015A64-C91A-4977-B774-FE4B9081C1AA}" dt="2018-08-08T16:03:16.557" v="529" actId="255"/>
+            <ac:spMkLst>
+              <pc:docMk/>
+              <pc:sldMasterMk cId="2232095129" sldId="2147483774"/>
+              <pc:sldLayoutMk cId="3255478147" sldId="2147483778"/>
+              <ac:spMk id="4" creationId="{00000000-0000-0000-0000-000000000000}"/>
+            </ac:spMkLst>
+          </pc:spChg>
+        </pc:sldLayoutChg>
+      </pc:sldMasterChg>
     </pc:docChg>
   </pc:docChgLst>
 </pc:chgInfo>
@@ -1112,7 +1739,7 @@
           <a:p>
             <a:r>
               <a:rPr lang="en-US" dirty="0"/>
-              <a:t>Weight estimation study? </a:t>
+              <a:t>Weight estimation study? Order of light vs. heavy weight changes participant estimations </a:t>
             </a:r>
           </a:p>
         </p:txBody>
@@ -1463,6 +2090,240 @@
       </p:grpSpPr>
       <p:sp>
         <p:nvSpPr>
+          <p:cNvPr id="2" name="Slide Image Placeholder 1"/>
+          <p:cNvSpPr>
+            <a:spLocks noGrp="1" noRot="1" noChangeAspect="1"/>
+          </p:cNvSpPr>
+          <p:nvPr>
+            <p:ph type="sldImg"/>
+          </p:nvPr>
+        </p:nvSpPr>
+        <p:spPr/>
+      </p:sp>
+      <p:sp>
+        <p:nvSpPr>
+          <p:cNvPr id="3" name="Notes Placeholder 2"/>
+          <p:cNvSpPr>
+            <a:spLocks noGrp="1"/>
+          </p:cNvSpPr>
+          <p:nvPr>
+            <p:ph type="body" idx="1"/>
+          </p:nvPr>
+        </p:nvSpPr>
+        <p:spPr/>
+        <p:txBody>
+          <a:bodyPr/>
+          <a:lstStyle/>
+          <a:p>
+            <a:pPr marL="0" marR="0" lvl="0" indent="0" algn="l" defTabSz="914400" rtl="0" eaLnBrk="0" fontAlgn="base" latinLnBrk="0" hangingPunct="0">
+              <a:lnSpc>
+                <a:spcPct val="100000"/>
+              </a:lnSpc>
+              <a:spcBef>
+                <a:spcPct val="30000"/>
+              </a:spcBef>
+              <a:spcAft>
+                <a:spcPct val="0"/>
+              </a:spcAft>
+              <a:buClrTx/>
+              <a:buSzTx/>
+              <a:buFontTx/>
+              <a:buNone/>
+              <a:tabLst/>
+              <a:defRPr/>
+            </a:pPr>
+            <a:r>
+              <a:rPr lang="en-US" dirty="0"/>
+              <a:t>**May also be .01 – remember to read the problem. </a:t>
+            </a:r>
+          </a:p>
+          <a:p>
+            <a:endParaRPr lang="en-US" dirty="0"/>
+          </a:p>
+        </p:txBody>
+      </p:sp>
+      <p:sp>
+        <p:nvSpPr>
+          <p:cNvPr id="4" name="Slide Number Placeholder 3"/>
+          <p:cNvSpPr>
+            <a:spLocks noGrp="1"/>
+          </p:cNvSpPr>
+          <p:nvPr>
+            <p:ph type="sldNum" sz="quarter" idx="10"/>
+          </p:nvPr>
+        </p:nvSpPr>
+        <p:spPr/>
+        <p:txBody>
+          <a:bodyPr/>
+          <a:lstStyle/>
+          <a:p>
+            <a:pPr>
+              <a:defRPr/>
+            </a:pPr>
+            <a:fld id="{4CB43300-B31E-49AD-8751-A411090F9821}" type="slidenum">
+              <a:rPr lang="en-US" smtClean="0"/>
+              <a:pPr>
+                <a:defRPr/>
+              </a:pPr>
+              <a:t>17</a:t>
+            </a:fld>
+            <a:endParaRPr lang="en-US"/>
+          </a:p>
+        </p:txBody>
+      </p:sp>
+    </p:spTree>
+    <p:extLst>
+      <p:ext uri="{BB962C8B-B14F-4D97-AF65-F5344CB8AC3E}">
+        <p14:creationId xmlns:p14="http://schemas.microsoft.com/office/powerpoint/2010/main" val="3775904326"/>
+      </p:ext>
+    </p:extLst>
+  </p:cSld>
+  <p:clrMapOvr>
+    <a:masterClrMapping/>
+  </p:clrMapOvr>
+</p:notes>
+</file>
+
+<file path=ppt/notesSlides/notesSlide7.xml><?xml version="1.0" encoding="utf-8"?>
+<p:notes xmlns:a="http://schemas.openxmlformats.org/drawingml/2006/main" xmlns:r="http://schemas.openxmlformats.org/officeDocument/2006/relationships" xmlns:p="http://schemas.openxmlformats.org/presentationml/2006/main">
+  <p:cSld>
+    <p:spTree>
+      <p:nvGrpSpPr>
+        <p:cNvPr id="1" name=""/>
+        <p:cNvGrpSpPr/>
+        <p:nvPr/>
+      </p:nvGrpSpPr>
+      <p:grpSpPr>
+        <a:xfrm>
+          <a:off x="0" y="0"/>
+          <a:ext cx="0" cy="0"/>
+          <a:chOff x="0" y="0"/>
+          <a:chExt cx="0" cy="0"/>
+        </a:xfrm>
+      </p:grpSpPr>
+      <p:sp>
+        <p:nvSpPr>
+          <p:cNvPr id="2" name="Slide Image Placeholder 1"/>
+          <p:cNvSpPr>
+            <a:spLocks noGrp="1" noRot="1" noChangeAspect="1"/>
+          </p:cNvSpPr>
+          <p:nvPr>
+            <p:ph type="sldImg"/>
+          </p:nvPr>
+        </p:nvSpPr>
+        <p:spPr/>
+      </p:sp>
+      <p:sp>
+        <p:nvSpPr>
+          <p:cNvPr id="3" name="Notes Placeholder 2"/>
+          <p:cNvSpPr>
+            <a:spLocks noGrp="1"/>
+          </p:cNvSpPr>
+          <p:nvPr>
+            <p:ph type="body" idx="1"/>
+          </p:nvPr>
+        </p:nvSpPr>
+        <p:spPr/>
+        <p:txBody>
+          <a:bodyPr/>
+          <a:lstStyle/>
+          <a:p>
+            <a:pPr marL="0" marR="0" lvl="0" indent="0" algn="l" defTabSz="914400" rtl="0" eaLnBrk="0" fontAlgn="base" latinLnBrk="0" hangingPunct="0">
+              <a:lnSpc>
+                <a:spcPct val="100000"/>
+              </a:lnSpc>
+              <a:spcBef>
+                <a:spcPct val="30000"/>
+              </a:spcBef>
+              <a:spcAft>
+                <a:spcPct val="0"/>
+              </a:spcAft>
+              <a:buClrTx/>
+              <a:buSzTx/>
+              <a:buFontTx/>
+              <a:buNone/>
+              <a:tabLst/>
+              <a:defRPr/>
+            </a:pPr>
+            <a:r>
+              <a:rPr lang="en-US" i="1" dirty="0"/>
+              <a:t>S</a:t>
+            </a:r>
+            <a:r>
+              <a:rPr lang="en-US" i="1" baseline="-25000" dirty="0"/>
+              <a:t>M</a:t>
+            </a:r>
+            <a:r>
+              <a:rPr lang="en-US" dirty="0"/>
+              <a:t>  = standard error </a:t>
+            </a:r>
+          </a:p>
+          <a:p>
+            <a:endParaRPr lang="en-US" dirty="0"/>
+          </a:p>
+        </p:txBody>
+      </p:sp>
+      <p:sp>
+        <p:nvSpPr>
+          <p:cNvPr id="4" name="Slide Number Placeholder 3"/>
+          <p:cNvSpPr>
+            <a:spLocks noGrp="1"/>
+          </p:cNvSpPr>
+          <p:nvPr>
+            <p:ph type="sldNum" sz="quarter" idx="10"/>
+          </p:nvPr>
+        </p:nvSpPr>
+        <p:spPr/>
+        <p:txBody>
+          <a:bodyPr/>
+          <a:lstStyle/>
+          <a:p>
+            <a:pPr>
+              <a:defRPr/>
+            </a:pPr>
+            <a:fld id="{4CB43300-B31E-49AD-8751-A411090F9821}" type="slidenum">
+              <a:rPr lang="en-US" smtClean="0"/>
+              <a:pPr>
+                <a:defRPr/>
+              </a:pPr>
+              <a:t>18</a:t>
+            </a:fld>
+            <a:endParaRPr lang="en-US"/>
+          </a:p>
+        </p:txBody>
+      </p:sp>
+    </p:spTree>
+    <p:extLst>
+      <p:ext uri="{BB962C8B-B14F-4D97-AF65-F5344CB8AC3E}">
+        <p14:creationId xmlns:p14="http://schemas.microsoft.com/office/powerpoint/2010/main" val="402089953"/>
+      </p:ext>
+    </p:extLst>
+  </p:cSld>
+  <p:clrMapOvr>
+    <a:masterClrMapping/>
+  </p:clrMapOvr>
+</p:notes>
+</file>
+
+<file path=ppt/notesSlides/notesSlide8.xml><?xml version="1.0" encoding="utf-8"?>
+<p:notes xmlns:a="http://schemas.openxmlformats.org/drawingml/2006/main" xmlns:r="http://schemas.openxmlformats.org/officeDocument/2006/relationships" xmlns:p="http://schemas.openxmlformats.org/presentationml/2006/main">
+  <p:cSld>
+    <p:spTree>
+      <p:nvGrpSpPr>
+        <p:cNvPr id="1" name=""/>
+        <p:cNvGrpSpPr/>
+        <p:nvPr/>
+      </p:nvGrpSpPr>
+      <p:grpSpPr>
+        <a:xfrm>
+          <a:off x="0" y="0"/>
+          <a:ext cx="0" cy="0"/>
+          <a:chOff x="0" y="0"/>
+          <a:chExt cx="0" cy="0"/>
+        </a:xfrm>
+      </p:grpSpPr>
+      <p:sp>
+        <p:nvSpPr>
           <p:cNvPr id="45058" name="Slide Image Placeholder 1"/>
           <p:cNvSpPr>
             <a:spLocks noGrp="1" noRot="1" noChangeAspect="1" noTextEdit="1"/>
@@ -1493,10 +2354,13 @@
           <a:bodyPr/>
           <a:lstStyle/>
           <a:p>
-            <a:endParaRPr lang="en-US">
-              <a:latin typeface="Lucida Grande" pitchFamily="-48" charset="0"/>
-              <a:ea typeface="Geneva" pitchFamily="-48" charset="-128"/>
-            </a:endParaRPr>
+            <a:r>
+              <a:rPr lang="en-US" dirty="0">
+                <a:latin typeface="Lucida Grande" pitchFamily="-48" charset="0"/>
+                <a:ea typeface="Geneva" pitchFamily="-48" charset="-128"/>
+              </a:rPr>
+              <a:t>s = SD of difference scores </a:t>
+            </a:r>
           </a:p>
         </p:txBody>
       </p:sp>
@@ -1520,7 +2384,7 @@
             <a:fld id="{645AE881-E368-4BCA-8B6C-1B30EBB13A56}" type="slidenum">
               <a:rPr lang="en-US" smtClean="0"/>
               <a:pPr/>
-              <a:t>26</a:t>
+              <a:t>21</a:t>
             </a:fld>
             <a:endParaRPr lang="en-US"/>
           </a:p>
@@ -1657,7 +2521,7 @@
               <a:lnSpc>
                 <a:spcPct val="85000"/>
               </a:lnSpc>
-              <a:defRPr sz="8000" spc="-50" baseline="0">
+              <a:defRPr sz="6600" spc="-50" baseline="0">
                 <a:solidFill>
                   <a:schemeClr val="tx1">
                     <a:lumMod val="85000"/>
@@ -1669,10 +2533,9 @@
           </a:lstStyle>
           <a:p>
             <a:r>
-              <a:rPr lang="en-US"/>
+              <a:rPr lang="en-US" dirty="0"/>
               <a:t>Click to edit Master title style</a:t>
             </a:r>
-            <a:endParaRPr lang="en-US" dirty="0"/>
           </a:p>
         </p:txBody>
       </p:sp>
@@ -2347,10 +3210,9 @@
           <a:lstStyle/>
           <a:p>
             <a:r>
-              <a:rPr lang="en-US"/>
+              <a:rPr lang="en-US" dirty="0"/>
               <a:t>Click to edit Master title style</a:t>
             </a:r>
-            <a:endParaRPr lang="en-US" dirty="0"/>
           </a:p>
         </p:txBody>
       </p:sp>
@@ -2367,42 +3229,57 @@
         <p:spPr/>
         <p:txBody>
           <a:bodyPr/>
-          <a:lstStyle/>
+          <a:lstStyle>
+            <a:lvl1pPr>
+              <a:defRPr sz="2400"/>
+            </a:lvl1pPr>
+            <a:lvl2pPr>
+              <a:defRPr sz="2200"/>
+            </a:lvl2pPr>
+            <a:lvl3pPr>
+              <a:defRPr sz="2200"/>
+            </a:lvl3pPr>
+            <a:lvl4pPr>
+              <a:defRPr sz="2200"/>
+            </a:lvl4pPr>
+            <a:lvl5pPr>
+              <a:defRPr sz="2200"/>
+            </a:lvl5pPr>
+          </a:lstStyle>
           <a:p>
             <a:pPr lvl="0"/>
             <a:r>
-              <a:rPr lang="en-US"/>
+              <a:rPr lang="en-US" dirty="0"/>
               <a:t>Edit Master text styles</a:t>
             </a:r>
           </a:p>
           <a:p>
             <a:pPr lvl="1"/>
             <a:r>
-              <a:rPr lang="en-US"/>
+              <a:rPr lang="en-US" dirty="0"/>
               <a:t>Second level</a:t>
             </a:r>
           </a:p>
           <a:p>
             <a:pPr lvl="2"/>
             <a:r>
-              <a:rPr lang="en-US"/>
+              <a:rPr lang="en-US" dirty="0"/>
               <a:t>Third level</a:t>
             </a:r>
           </a:p>
           <a:p>
             <a:pPr lvl="3"/>
             <a:r>
-              <a:rPr lang="en-US"/>
+              <a:rPr lang="en-US" dirty="0"/>
               <a:t>Fourth level</a:t>
             </a:r>
           </a:p>
           <a:p>
             <a:pPr lvl="4"/>
             <a:r>
-              <a:rPr lang="en-US"/>
+              <a:rPr lang="en-US" dirty="0"/>
               <a:t>Fifth level</a:t>
             </a:r>
-            <a:endParaRPr lang="en-US" dirty="0"/>
           </a:p>
         </p:txBody>
       </p:sp>
@@ -2618,7 +3495,7 @@
               <a:lnSpc>
                 <a:spcPct val="85000"/>
               </a:lnSpc>
-              <a:defRPr sz="8000" b="0">
+              <a:defRPr sz="6600" b="0">
                 <a:solidFill>
                   <a:schemeClr val="tx1">
                     <a:lumMod val="85000"/>
@@ -2630,10 +3507,9 @@
           </a:lstStyle>
           <a:p>
             <a:r>
-              <a:rPr lang="en-US"/>
+              <a:rPr lang="en-US" dirty="0"/>
               <a:t>Click to edit Master title style</a:t>
             </a:r>
-            <a:endParaRPr lang="en-US" dirty="0"/>
           </a:p>
         </p:txBody>
       </p:sp>
@@ -2944,42 +3820,57 @@
         </p:spPr>
         <p:txBody>
           <a:bodyPr/>
-          <a:lstStyle/>
+          <a:lstStyle>
+            <a:lvl1pPr>
+              <a:defRPr sz="2400"/>
+            </a:lvl1pPr>
+            <a:lvl2pPr>
+              <a:defRPr sz="2200"/>
+            </a:lvl2pPr>
+            <a:lvl3pPr>
+              <a:defRPr sz="2200"/>
+            </a:lvl3pPr>
+            <a:lvl4pPr>
+              <a:defRPr sz="2200"/>
+            </a:lvl4pPr>
+            <a:lvl5pPr>
+              <a:defRPr sz="2200"/>
+            </a:lvl5pPr>
+          </a:lstStyle>
           <a:p>
             <a:pPr lvl="0"/>
             <a:r>
-              <a:rPr lang="en-US"/>
+              <a:rPr lang="en-US" dirty="0"/>
               <a:t>Edit Master text styles</a:t>
             </a:r>
           </a:p>
           <a:p>
             <a:pPr lvl="1"/>
             <a:r>
-              <a:rPr lang="en-US"/>
+              <a:rPr lang="en-US" dirty="0"/>
               <a:t>Second level</a:t>
             </a:r>
           </a:p>
           <a:p>
             <a:pPr lvl="2"/>
             <a:r>
-              <a:rPr lang="en-US"/>
+              <a:rPr lang="en-US" dirty="0"/>
               <a:t>Third level</a:t>
             </a:r>
           </a:p>
           <a:p>
             <a:pPr lvl="3"/>
             <a:r>
-              <a:rPr lang="en-US"/>
+              <a:rPr lang="en-US" dirty="0"/>
               <a:t>Fourth level</a:t>
             </a:r>
           </a:p>
           <a:p>
             <a:pPr lvl="4"/>
             <a:r>
-              <a:rPr lang="en-US"/>
+              <a:rPr lang="en-US" dirty="0"/>
               <a:t>Fifth level</a:t>
             </a:r>
-            <a:endParaRPr lang="en-US" dirty="0"/>
           </a:p>
         </p:txBody>
       </p:sp>
@@ -3001,42 +3892,57 @@
         </p:spPr>
         <p:txBody>
           <a:bodyPr/>
-          <a:lstStyle/>
+          <a:lstStyle>
+            <a:lvl1pPr>
+              <a:defRPr sz="2400"/>
+            </a:lvl1pPr>
+            <a:lvl2pPr>
+              <a:defRPr sz="2200"/>
+            </a:lvl2pPr>
+            <a:lvl3pPr>
+              <a:defRPr sz="2200"/>
+            </a:lvl3pPr>
+            <a:lvl4pPr>
+              <a:defRPr sz="2200"/>
+            </a:lvl4pPr>
+            <a:lvl5pPr>
+              <a:defRPr sz="2200"/>
+            </a:lvl5pPr>
+          </a:lstStyle>
           <a:p>
             <a:pPr lvl="0"/>
             <a:r>
-              <a:rPr lang="en-US"/>
+              <a:rPr lang="en-US" dirty="0"/>
               <a:t>Edit Master text styles</a:t>
             </a:r>
           </a:p>
           <a:p>
             <a:pPr lvl="1"/>
             <a:r>
-              <a:rPr lang="en-US"/>
+              <a:rPr lang="en-US" dirty="0"/>
               <a:t>Second level</a:t>
             </a:r>
           </a:p>
           <a:p>
             <a:pPr lvl="2"/>
             <a:r>
-              <a:rPr lang="en-US"/>
+              <a:rPr lang="en-US" dirty="0"/>
               <a:t>Third level</a:t>
             </a:r>
           </a:p>
           <a:p>
             <a:pPr lvl="3"/>
             <a:r>
-              <a:rPr lang="en-US"/>
+              <a:rPr lang="en-US" dirty="0"/>
               <a:t>Fourth level</a:t>
             </a:r>
           </a:p>
           <a:p>
             <a:pPr lvl="4"/>
             <a:r>
-              <a:rPr lang="en-US"/>
+              <a:rPr lang="en-US" dirty="0"/>
               <a:t>Fifth level</a:t>
             </a:r>
-            <a:endParaRPr lang="en-US" dirty="0"/>
           </a:p>
         </p:txBody>
       </p:sp>
@@ -4694,10 +5600,9 @@
           <a:lstStyle/>
           <a:p>
             <a:r>
-              <a:rPr lang="en-US"/>
+              <a:rPr lang="en-US" dirty="0"/>
               <a:t>Click to edit Master title style</a:t>
             </a:r>
-            <a:endParaRPr lang="en-US" dirty="0"/>
           </a:p>
         </p:txBody>
       </p:sp>
@@ -4728,38 +5633,37 @@
           <a:p>
             <a:pPr lvl="0"/>
             <a:r>
-              <a:rPr lang="en-US"/>
+              <a:rPr lang="en-US" dirty="0"/>
               <a:t>Edit Master text styles</a:t>
             </a:r>
           </a:p>
           <a:p>
             <a:pPr lvl="1"/>
             <a:r>
-              <a:rPr lang="en-US"/>
+              <a:rPr lang="en-US" dirty="0"/>
               <a:t>Second level</a:t>
             </a:r>
           </a:p>
           <a:p>
             <a:pPr lvl="2"/>
             <a:r>
-              <a:rPr lang="en-US"/>
+              <a:rPr lang="en-US" dirty="0"/>
               <a:t>Third level</a:t>
             </a:r>
           </a:p>
           <a:p>
             <a:pPr lvl="3"/>
             <a:r>
-              <a:rPr lang="en-US"/>
+              <a:rPr lang="en-US" dirty="0"/>
               <a:t>Fourth level</a:t>
             </a:r>
           </a:p>
           <a:p>
             <a:pPr lvl="4"/>
             <a:r>
-              <a:rPr lang="en-US"/>
+              <a:rPr lang="en-US" dirty="0"/>
               <a:t>Fifth level</a:t>
             </a:r>
-            <a:endParaRPr lang="en-US" dirty="0"/>
           </a:p>
         </p:txBody>
       </p:sp>
@@ -4983,7 +5887,7 @@
         <a:buSzPct val="100000"/>
         <a:buFont typeface="Calibri" panose="020F0502020204030204" pitchFamily="34" charset="0"/>
         <a:buChar char=" "/>
-        <a:defRPr sz="2000" kern="1200">
+        <a:defRPr sz="2400" kern="1200">
           <a:solidFill>
             <a:schemeClr val="tx1">
               <a:lumMod val="75000"/>
@@ -5010,7 +5914,7 @@
         </a:buClr>
         <a:buFont typeface="Calibri" pitchFamily="34" charset="0"/>
         <a:buChar char="◦"/>
-        <a:defRPr sz="1800" kern="1200">
+        <a:defRPr sz="2200" kern="1200">
           <a:solidFill>
             <a:schemeClr val="tx1">
               <a:lumMod val="75000"/>
@@ -5037,7 +5941,7 @@
         </a:buClr>
         <a:buFont typeface="Calibri" pitchFamily="34" charset="0"/>
         <a:buChar char="◦"/>
-        <a:defRPr sz="1400" kern="1200">
+        <a:defRPr sz="2200" kern="1200">
           <a:solidFill>
             <a:schemeClr val="tx1">
               <a:lumMod val="75000"/>
@@ -5064,7 +5968,7 @@
         </a:buClr>
         <a:buFont typeface="Calibri" pitchFamily="34" charset="0"/>
         <a:buChar char="◦"/>
-        <a:defRPr sz="1400" kern="1200">
+        <a:defRPr sz="2200" kern="1200">
           <a:solidFill>
             <a:schemeClr val="tx1">
               <a:lumMod val="75000"/>
@@ -5091,7 +5995,7 @@
         </a:buClr>
         <a:buFont typeface="Calibri" pitchFamily="34" charset="0"/>
         <a:buChar char="◦"/>
-        <a:defRPr sz="1400" kern="1200">
+        <a:defRPr sz="2200" kern="1200">
           <a:solidFill>
             <a:schemeClr val="tx1">
               <a:lumMod val="75000"/>
@@ -5667,14 +6571,34 @@
             <a:pPr lvl="1"/>
             <a:r>
               <a:rPr lang="en-US" dirty="0"/>
-              <a:t>You basically are doing a single sample t where um = 0.</a:t>
+              <a:t>You basically are doing a single sample </a:t>
+            </a:r>
+            <a:r>
+              <a:rPr lang="en-US" i="1" dirty="0"/>
+              <a:t>t</a:t>
+            </a:r>
+            <a:r>
+              <a:rPr lang="en-US" dirty="0"/>
+              <a:t> where </a:t>
+            </a:r>
+            <a:r>
+              <a:rPr lang="el-GR" dirty="0"/>
+              <a:t>μ</a:t>
+            </a:r>
+            <a:r>
+              <a:rPr lang="en-US" i="1" baseline="-25000" dirty="0"/>
+              <a:t>M</a:t>
+            </a:r>
+            <a:r>
+              <a:rPr lang="en-US" dirty="0"/>
+              <a:t> = 0</a:t>
             </a:r>
           </a:p>
           <a:p>
             <a:pPr lvl="1"/>
             <a:r>
               <a:rPr lang="en-US" dirty="0"/>
-              <a:t>Whew! Same steps.</a:t>
+              <a:t>Whew! Same steps</a:t>
             </a:r>
           </a:p>
         </p:txBody>
@@ -5760,37 +6684,37 @@
           <a:p>
             <a:r>
               <a:rPr lang="en-US" dirty="0"/>
-              <a:t>Step 1: Identify the populations (levels), distribution, and assumptions.</a:t>
-            </a:r>
-          </a:p>
-          <a:p>
-            <a:r>
-              <a:rPr lang="en-US" dirty="0"/>
-              <a:t>Step 2: State the null and research hypotheses.</a:t>
-            </a:r>
-          </a:p>
-          <a:p>
-            <a:r>
-              <a:rPr lang="en-US" dirty="0"/>
-              <a:t>Step 3: Determine the characteristics of the comparison distribution.</a:t>
-            </a:r>
-          </a:p>
-          <a:p>
-            <a:r>
-              <a:rPr lang="en-US" dirty="0"/>
-              <a:t>Step 4: Determine critical values, or cutoffs.</a:t>
-            </a:r>
-          </a:p>
-          <a:p>
-            <a:r>
-              <a:rPr lang="en-US" dirty="0"/>
-              <a:t>Step 5: Calculate the test statistic.</a:t>
-            </a:r>
-          </a:p>
-          <a:p>
-            <a:r>
-              <a:rPr lang="en-US" dirty="0"/>
-              <a:t>Step 6: Make a decision.</a:t>
+              <a:t>Step 1: Identify the populations (levels), distribution, and assumptions</a:t>
+            </a:r>
+          </a:p>
+          <a:p>
+            <a:r>
+              <a:rPr lang="en-US" dirty="0"/>
+              <a:t>Step 2: State the null and research hypotheses</a:t>
+            </a:r>
+          </a:p>
+          <a:p>
+            <a:r>
+              <a:rPr lang="en-US" dirty="0"/>
+              <a:t>Step 3: Determine the characteristics of the comparison distribution</a:t>
+            </a:r>
+          </a:p>
+          <a:p>
+            <a:r>
+              <a:rPr lang="en-US" dirty="0"/>
+              <a:t>Step 4: Determine critical values, or cutoffs</a:t>
+            </a:r>
+          </a:p>
+          <a:p>
+            <a:r>
+              <a:rPr lang="en-US" dirty="0"/>
+              <a:t>Step 5: Calculate the test statistic</a:t>
+            </a:r>
+          </a:p>
+          <a:p>
+            <a:r>
+              <a:rPr lang="en-US" dirty="0"/>
+              <a:t>Step 6: Make a decision</a:t>
             </a:r>
           </a:p>
         </p:txBody>
@@ -5856,20 +6780,6 @@
         <p:txBody>
           <a:bodyPr/>
           <a:lstStyle/>
-          <a:p>
-            <a:r>
-              <a:rPr lang="en-US" dirty="0"/>
-              <a:t>Let’s work some examples: chapter 10 </a:t>
-            </a:r>
-            <a:r>
-              <a:rPr lang="en-US" dirty="0" err="1"/>
-              <a:t>docx</a:t>
-            </a:r>
-            <a:r>
-              <a:rPr lang="en-US" dirty="0"/>
-              <a:t> on blackboard</a:t>
-            </a:r>
-          </a:p>
           <a:p>
             <a:r>
               <a:rPr lang="en-US" dirty="0"/>
@@ -6077,32 +6987,44 @@
           </a:p>
           <a:p>
             <a:r>
-              <a:rPr lang="en-US" i="1" dirty="0"/>
+              <a:rPr lang="en-US" i="1" dirty="0" err="1"/>
               <a:t>M</a:t>
             </a:r>
             <a:r>
-              <a:rPr lang="en-US" dirty="0"/>
-              <a:t> difference: </a:t>
-            </a:r>
-          </a:p>
-          <a:p>
-            <a:r>
-              <a:rPr lang="en-US" i="1" dirty="0"/>
+              <a:rPr lang="en-US" baseline="-25000" dirty="0" err="1"/>
+              <a:t>difference</a:t>
+            </a:r>
+            <a:r>
+              <a:rPr lang="en-US" dirty="0"/>
+              <a:t>: </a:t>
+            </a:r>
+          </a:p>
+          <a:p>
+            <a:r>
+              <a:rPr lang="en-US" i="1" dirty="0" err="1"/>
               <a:t>SD</a:t>
             </a:r>
             <a:r>
-              <a:rPr lang="en-US" dirty="0"/>
-              <a:t> difference:</a:t>
-            </a:r>
-          </a:p>
-          <a:p>
-            <a:r>
-              <a:rPr lang="en-US" i="1" dirty="0"/>
+              <a:rPr lang="en-US" baseline="-25000" dirty="0" err="1"/>
+              <a:t>difference</a:t>
+            </a:r>
+            <a:r>
+              <a:rPr lang="en-US" dirty="0"/>
+              <a:t>:</a:t>
+            </a:r>
+          </a:p>
+          <a:p>
+            <a:r>
+              <a:rPr lang="en-US" i="1" dirty="0" err="1"/>
               <a:t>SE</a:t>
             </a:r>
             <a:r>
-              <a:rPr lang="en-US" dirty="0"/>
-              <a:t> difference:</a:t>
+              <a:rPr lang="en-US" baseline="-25000" dirty="0" err="1"/>
+              <a:t>difference</a:t>
+            </a:r>
+            <a:r>
+              <a:rPr lang="en-US" dirty="0"/>
+              <a:t>:</a:t>
             </a:r>
           </a:p>
           <a:p>
@@ -6178,80 +7100,110 @@
           <a:p>
             <a:r>
               <a:rPr lang="en-US" dirty="0"/>
-              <a:t>Calculating in </a:t>
+              <a:t>Step 4</a:t>
+            </a:r>
+          </a:p>
+        </p:txBody>
+      </p:sp>
+      <p:sp>
+        <p:nvSpPr>
+          <p:cNvPr id="3" name="Content Placeholder 2"/>
+          <p:cNvSpPr>
+            <a:spLocks noGrp="1"/>
+          </p:cNvSpPr>
+          <p:nvPr>
+            <p:ph idx="1"/>
+          </p:nvPr>
+        </p:nvSpPr>
+        <p:spPr/>
+        <p:txBody>
+          <a:bodyPr/>
+          <a:lstStyle/>
+          <a:p>
+            <a:r>
+              <a:rPr lang="en-US" dirty="0"/>
+              <a:t>Figure out the cut off score, </a:t>
+            </a:r>
+            <a:r>
+              <a:rPr lang="en-US" i="1" dirty="0" err="1"/>
+              <a:t>t</a:t>
+            </a:r>
+            <a:r>
+              <a:rPr lang="en-US" baseline="-25000" dirty="0" err="1"/>
+              <a:t>critical</a:t>
+            </a:r>
+            <a:endParaRPr lang="en-US" baseline="-25000" dirty="0"/>
+          </a:p>
+          <a:p>
+            <a:pPr lvl="1"/>
+            <a:r>
+              <a:rPr lang="en-US" i="1" dirty="0" err="1"/>
+              <a:t>df</a:t>
+            </a:r>
+            <a:r>
+              <a:rPr lang="en-US" dirty="0"/>
+              <a:t> = </a:t>
             </a:r>
             <a:r>
               <a:rPr lang="en-US" i="1" dirty="0"/>
-              <a:t>R</a:t>
-            </a:r>
+              <a:t>N - </a:t>
+            </a:r>
+            <a:r>
+              <a:rPr lang="en-US" dirty="0"/>
+              <a:t>1</a:t>
+            </a:r>
+            <a:endParaRPr lang="en-US" i="1" dirty="0"/>
+          </a:p>
+          <a:p>
             <a:endParaRPr lang="en-US" dirty="0"/>
           </a:p>
-        </p:txBody>
-      </p:sp>
-      <p:sp>
-        <p:nvSpPr>
-          <p:cNvPr id="3" name="Content Placeholder 2"/>
-          <p:cNvSpPr>
-            <a:spLocks noGrp="1"/>
-          </p:cNvSpPr>
-          <p:nvPr>
-            <p:ph idx="1"/>
-          </p:nvPr>
-        </p:nvSpPr>
-        <p:spPr/>
-        <p:txBody>
-          <a:bodyPr/>
-          <a:lstStyle/>
-          <a:p>
-            <a:r>
-              <a:rPr lang="en-US" dirty="0"/>
-              <a:t>You will have two sets of scores to deal with.</a:t>
-            </a:r>
-          </a:p>
-          <a:p>
-            <a:pPr lvl="1"/>
-            <a:r>
-              <a:rPr lang="en-US" dirty="0"/>
-              <a:t>We can use these scores in wide format, so let’s enter them that way.</a:t>
-            </a:r>
-          </a:p>
-          <a:p>
-            <a:pPr lvl="1"/>
-            <a:r>
-              <a:rPr lang="en-US" dirty="0"/>
-              <a:t>Excel file is online.</a:t>
-            </a:r>
+          <a:p>
+            <a:endParaRPr lang="en-US" dirty="0"/>
           </a:p>
         </p:txBody>
       </p:sp>
       <p:pic>
         <p:nvPicPr>
-          <p:cNvPr id="4" name="Picture 3"/>
+          <p:cNvPr id="5" name="Picture 2" descr="C:\Documents and Settings\dillerj\Desktop\Stats_Consult\JPGS - low res\CH09\low\NOLESS_TB09-01.jpg">
+            <a:extLst>
+              <a:ext uri="{FF2B5EF4-FFF2-40B4-BE49-F238E27FC236}">
+                <a16:creationId xmlns:a16="http://schemas.microsoft.com/office/drawing/2014/main" id="{483C4B44-AFA2-4849-BAA2-71109DF4D469}"/>
+              </a:ext>
+            </a:extLst>
+          </p:cNvPr>
           <p:cNvPicPr>
-            <a:picLocks noChangeAspect="1"/>
+            <a:picLocks noChangeAspect="1" noChangeArrowheads="1"/>
           </p:cNvPicPr>
           <p:nvPr/>
         </p:nvPicPr>
         <p:blipFill>
-          <a:blip r:embed="rId2"/>
+          <a:blip r:embed="rId3"/>
+          <a:srcRect/>
           <a:stretch>
             <a:fillRect/>
           </a:stretch>
         </p:blipFill>
-        <p:spPr>
+        <p:spPr bwMode="auto">
           <a:xfrm>
-            <a:off x="6337300" y="3568700"/>
-            <a:ext cx="2806700" cy="3289300"/>
+            <a:off x="1004095" y="2743200"/>
+            <a:ext cx="7181528" cy="3310235"/>
           </a:xfrm>
           <a:prstGeom prst="rect">
             <a:avLst/>
           </a:prstGeom>
+          <a:noFill/>
+          <a:ln w="9525">
+            <a:noFill/>
+            <a:miter lim="800000"/>
+            <a:headEnd/>
+            <a:tailEnd/>
+          </a:ln>
         </p:spPr>
       </p:pic>
     </p:spTree>
     <p:extLst>
       <p:ext uri="{BB962C8B-B14F-4D97-AF65-F5344CB8AC3E}">
-        <p14:creationId xmlns:p14="http://schemas.microsoft.com/office/powerpoint/2010/main" val="512812871"/>
+        <p14:creationId xmlns:p14="http://schemas.microsoft.com/office/powerpoint/2010/main" val="1320294773"/>
       </p:ext>
     </p:extLst>
   </p:cSld>
@@ -6295,49 +7247,116 @@
           <a:p>
             <a:r>
               <a:rPr lang="en-US" dirty="0"/>
-              <a:t>Calculating in </a:t>
+              <a:t>Step 5</a:t>
+            </a:r>
+          </a:p>
+        </p:txBody>
+      </p:sp>
+      <p:sp>
+        <p:nvSpPr>
+          <p:cNvPr id="3" name="Content Placeholder 2"/>
+          <p:cNvSpPr>
+            <a:spLocks noGrp="1"/>
+          </p:cNvSpPr>
+          <p:nvPr>
+            <p:ph idx="1"/>
+          </p:nvPr>
+        </p:nvSpPr>
+        <p:spPr/>
+        <p:txBody>
+          <a:bodyPr/>
+          <a:lstStyle/>
+          <a:p>
+            <a:r>
+              <a:rPr lang="en-US" dirty="0"/>
+              <a:t>Find </a:t>
             </a:r>
             <a:r>
               <a:rPr lang="en-US" i="1" dirty="0"/>
-              <a:t>R</a:t>
-            </a:r>
+              <a:t>t</a:t>
+            </a:r>
+            <a:r>
+              <a:rPr lang="en-US" baseline="-25000" dirty="0"/>
+              <a:t>actual</a:t>
+            </a:r>
+            <a:r>
+              <a:rPr lang="en-US" dirty="0"/>
+              <a:t>: </a:t>
+            </a:r>
+          </a:p>
+          <a:p>
+            <a:pPr lvl="1"/>
+            <a:r>
+              <a:rPr lang="en-US" i="1" dirty="0"/>
+              <a:t>t</a:t>
+            </a:r>
+            <a:r>
+              <a:rPr lang="en-US" baseline="-25000" dirty="0"/>
+              <a:t>actual</a:t>
+            </a:r>
+            <a:r>
+              <a:rPr lang="en-US" dirty="0"/>
+              <a:t> = </a:t>
+            </a:r>
+            <a:r>
+              <a:rPr lang="en-US" i="1" dirty="0" err="1"/>
+              <a:t>M</a:t>
+            </a:r>
+            <a:r>
+              <a:rPr lang="en-US" baseline="-25000" dirty="0" err="1"/>
+              <a:t>difference</a:t>
+            </a:r>
+            <a:r>
+              <a:rPr lang="en-US" dirty="0"/>
+              <a:t> / </a:t>
+            </a:r>
+            <a:r>
+              <a:rPr lang="en-US" i="1" dirty="0" err="1"/>
+              <a:t>SE</a:t>
+            </a:r>
+            <a:r>
+              <a:rPr lang="en-US" baseline="-25000" dirty="0" err="1"/>
+              <a:t>difference</a:t>
+            </a:r>
+            <a:endParaRPr lang="en-US" baseline="-25000" dirty="0"/>
+          </a:p>
+          <a:p>
+            <a:pPr marL="201168" lvl="1" indent="0">
+              <a:buNone/>
+            </a:pPr>
             <a:endParaRPr lang="en-US" dirty="0"/>
           </a:p>
-        </p:txBody>
-      </p:sp>
-      <p:sp>
-        <p:nvSpPr>
-          <p:cNvPr id="3" name="Content Placeholder 2"/>
-          <p:cNvSpPr>
-            <a:spLocks noGrp="1"/>
-          </p:cNvSpPr>
-          <p:nvPr>
-            <p:ph idx="1"/>
-          </p:nvPr>
-        </p:nvSpPr>
-        <p:spPr/>
-        <p:txBody>
-          <a:bodyPr/>
-          <a:lstStyle/>
-          <a:p>
-            <a:r>
-              <a:rPr lang="en-US" dirty="0"/>
-              <a:t>We want to get a mean difference score first.</a:t>
+          <a:p>
+            <a:pPr marL="201168" lvl="1" indent="0">
+              <a:buNone/>
+            </a:pPr>
+            <a:r>
+              <a:rPr lang="en-US" dirty="0"/>
+              <a:t>Stop! Make sure your mean difference score, </a:t>
+            </a:r>
+            <a:r>
+              <a:rPr lang="en-US" dirty="0" err="1"/>
+              <a:t>df</a:t>
+            </a:r>
+            <a:r>
+              <a:rPr lang="en-US" dirty="0"/>
+              <a:t>, and hypothesis all match</a:t>
             </a:r>
           </a:p>
           <a:p>
             <a:pPr lvl="1"/>
-            <a:r>
-              <a:rPr lang="en-US" dirty="0"/>
-              <a:t>Important! Think about the hypothesis. If you pick a one-tailed test, the order of subtraction is important!</a:t>
-            </a:r>
+            <a:endParaRPr lang="en-US" dirty="0"/>
+          </a:p>
+          <a:p>
+            <a:pPr lvl="1"/>
+            <a:endParaRPr lang="en-US" dirty="0"/>
           </a:p>
         </p:txBody>
       </p:sp>
     </p:spTree>
     <p:extLst>
       <p:ext uri="{BB962C8B-B14F-4D97-AF65-F5344CB8AC3E}">
-        <p14:creationId xmlns:p14="http://schemas.microsoft.com/office/powerpoint/2010/main" val="812717754"/>
+        <p14:creationId xmlns:p14="http://schemas.microsoft.com/office/powerpoint/2010/main" val="1942217419"/>
       </p:ext>
     </p:extLst>
   </p:cSld>
@@ -6381,13 +7400,8 @@
           <a:p>
             <a:r>
               <a:rPr lang="en-US" dirty="0"/>
-              <a:t>Calculating in </a:t>
-            </a:r>
-            <a:r>
-              <a:rPr lang="en-US" i="1" dirty="0"/>
-              <a:t>R</a:t>
-            </a:r>
-            <a:endParaRPr lang="en-US" dirty="0"/>
+              <a:t>Step 6</a:t>
+            </a:r>
           </a:p>
         </p:txBody>
       </p:sp>
@@ -6408,35 +7422,35 @@
           <a:p>
             <a:r>
               <a:rPr lang="en-US" dirty="0"/>
-              <a:t>Create a difference score to calculate the numbers you need:</a:t>
+              <a:t>Compare step 4 and 5 – is your score more extreme? </a:t>
             </a:r>
           </a:p>
           <a:p>
             <a:pPr lvl="1"/>
             <a:r>
               <a:rPr lang="en-US" dirty="0"/>
-              <a:t>difference = </a:t>
-            </a:r>
-            <a:r>
-              <a:rPr lang="en-US" i="1" dirty="0" err="1"/>
-              <a:t>data$column</a:t>
-            </a:r>
-            <a:r>
-              <a:rPr lang="en-US" i="1" dirty="0"/>
-              <a:t> – </a:t>
-            </a:r>
-            <a:r>
-              <a:rPr lang="en-US" i="1" dirty="0" err="1"/>
-              <a:t>data$column</a:t>
-            </a:r>
-            <a:endParaRPr lang="en-US" i="1" dirty="0"/>
+              <a:t>Reject the null</a:t>
+            </a:r>
+          </a:p>
+          <a:p>
+            <a:r>
+              <a:rPr lang="en-US" dirty="0"/>
+              <a:t>Compare step 4 and 5 – is your score closer to the middle?</a:t>
+            </a:r>
+          </a:p>
+          <a:p>
+            <a:pPr lvl="1"/>
+            <a:r>
+              <a:rPr lang="en-US" dirty="0"/>
+              <a:t>Fail to reject the null </a:t>
+            </a:r>
           </a:p>
         </p:txBody>
       </p:sp>
     </p:spTree>
     <p:extLst>
       <p:ext uri="{BB962C8B-B14F-4D97-AF65-F5344CB8AC3E}">
-        <p14:creationId xmlns:p14="http://schemas.microsoft.com/office/powerpoint/2010/main" val="1175363276"/>
+        <p14:creationId xmlns:p14="http://schemas.microsoft.com/office/powerpoint/2010/main" val="869236171"/>
       </p:ext>
     </p:extLst>
   </p:cSld>
@@ -6606,14 +7620,9 @@
           <a:lstStyle/>
           <a:p>
             <a:r>
-              <a:rPr lang="en-US"/>
-              <a:t>Calculating in </a:t>
-            </a:r>
-            <a:r>
-              <a:rPr lang="en-US" i="1"/>
-              <a:t>R</a:t>
-            </a:r>
-            <a:endParaRPr lang="en-US"/>
+              <a:rPr lang="en-US" dirty="0"/>
+              <a:t>Confidence Interval</a:t>
+            </a:r>
           </a:p>
         </p:txBody>
       </p:sp>
@@ -6634,60 +7643,88 @@
           <a:p>
             <a:r>
               <a:rPr lang="en-US" dirty="0"/>
-              <a:t>Get the mean, </a:t>
+              <a:t>Lower = </a:t>
+            </a:r>
+            <a:r>
+              <a:rPr lang="en-US" i="1" dirty="0" err="1"/>
+              <a:t>M</a:t>
+            </a:r>
+            <a:r>
+              <a:rPr lang="en-US" baseline="-25000" dirty="0" err="1"/>
+              <a:t>difference</a:t>
+            </a:r>
+            <a:r>
+              <a:rPr lang="en-US" dirty="0"/>
+              <a:t> – </a:t>
+            </a:r>
+            <a:r>
+              <a:rPr lang="en-US" i="1" dirty="0" err="1"/>
+              <a:t>t</a:t>
+            </a:r>
+            <a:r>
+              <a:rPr lang="en-US" baseline="-25000" dirty="0" err="1"/>
+              <a:t>critical</a:t>
+            </a:r>
+            <a:r>
+              <a:rPr lang="en-US" dirty="0"/>
+              <a:t>*</a:t>
+            </a:r>
+            <a:r>
+              <a:rPr lang="en-US" i="1" dirty="0"/>
+              <a:t>SE</a:t>
+            </a:r>
+          </a:p>
+          <a:p>
+            <a:r>
+              <a:rPr lang="en-US" dirty="0"/>
+              <a:t>Upper = </a:t>
+            </a:r>
+            <a:r>
+              <a:rPr lang="en-US" i="1" dirty="0" err="1"/>
+              <a:t>M</a:t>
+            </a:r>
+            <a:r>
+              <a:rPr lang="en-US" baseline="-25000" dirty="0" err="1"/>
+              <a:t>difference</a:t>
+            </a:r>
+            <a:r>
+              <a:rPr lang="en-US" dirty="0"/>
+              <a:t> + </a:t>
+            </a:r>
+            <a:r>
+              <a:rPr lang="en-US" i="1" dirty="0" err="1"/>
+              <a:t>t</a:t>
+            </a:r>
+            <a:r>
+              <a:rPr lang="en-US" baseline="-25000" dirty="0" err="1"/>
+              <a:t>critical</a:t>
+            </a:r>
+            <a:r>
+              <a:rPr lang="en-US" dirty="0"/>
+              <a:t>*</a:t>
+            </a:r>
+            <a:r>
+              <a:rPr lang="en-US" i="1" dirty="0"/>
+              <a:t>SE</a:t>
+            </a:r>
+          </a:p>
+          <a:p>
+            <a:r>
+              <a:rPr lang="en-US" dirty="0"/>
+              <a:t>**know the formula, but you can also do this in </a:t>
             </a:r>
             <a:r>
               <a:rPr lang="en-US" dirty="0" err="1"/>
-              <a:t>sd</a:t>
-            </a:r>
-            <a:r>
-              <a:rPr lang="en-US" dirty="0"/>
-              <a:t>, and se in the same way we did in the last chapter:</a:t>
-            </a:r>
-          </a:p>
-          <a:p>
-            <a:pPr lvl="1"/>
-            <a:r>
-              <a:rPr lang="en-US" dirty="0"/>
-              <a:t>summary(difference)</a:t>
-            </a:r>
-          </a:p>
-          <a:p>
-            <a:pPr lvl="1"/>
-            <a:r>
-              <a:rPr lang="en-US" dirty="0" err="1"/>
-              <a:t>sd</a:t>
-            </a:r>
-            <a:r>
-              <a:rPr lang="en-US" dirty="0"/>
-              <a:t>(difference)</a:t>
-            </a:r>
-          </a:p>
-          <a:p>
-            <a:pPr lvl="1"/>
-            <a:r>
-              <a:rPr lang="en-US" dirty="0" err="1"/>
-              <a:t>sd</a:t>
-            </a:r>
-            <a:r>
-              <a:rPr lang="en-US" dirty="0"/>
-              <a:t>(difference) / </a:t>
-            </a:r>
-            <a:r>
-              <a:rPr lang="en-US" dirty="0" err="1"/>
-              <a:t>sqrt</a:t>
-            </a:r>
-            <a:r>
-              <a:rPr lang="en-US" dirty="0"/>
-              <a:t>(length(difference))</a:t>
-            </a:r>
+              <a:t>JASP</a:t>
+            </a:r>
+            <a:endParaRPr lang="en-US" dirty="0"/>
           </a:p>
         </p:txBody>
       </p:sp>
     </p:spTree>
     <p:extLst>
       <p:ext uri="{BB962C8B-B14F-4D97-AF65-F5344CB8AC3E}">
-        <p14:creationId xmlns:p14="http://schemas.microsoft.com/office/powerpoint/2010/main" val="596543039"/>
+        <p14:creationId xmlns:p14="http://schemas.microsoft.com/office/powerpoint/2010/main" val="1219213831"/>
       </p:ext>
     </p:extLst>
   </p:cSld>
@@ -6716,824 +7753,6 @@
       </p:grpSpPr>
       <p:sp>
         <p:nvSpPr>
-          <p:cNvPr id="2" name="Title 1"/>
-          <p:cNvSpPr>
-            <a:spLocks noGrp="1"/>
-          </p:cNvSpPr>
-          <p:nvPr>
-            <p:ph type="title"/>
-          </p:nvPr>
-        </p:nvSpPr>
-        <p:spPr/>
-        <p:txBody>
-          <a:bodyPr/>
-          <a:lstStyle/>
-          <a:p>
-            <a:r>
-              <a:rPr lang="en-US" dirty="0"/>
-              <a:t>Step 4</a:t>
-            </a:r>
-          </a:p>
-        </p:txBody>
-      </p:sp>
-      <p:sp>
-        <p:nvSpPr>
-          <p:cNvPr id="3" name="Content Placeholder 2"/>
-          <p:cNvSpPr>
-            <a:spLocks noGrp="1"/>
-          </p:cNvSpPr>
-          <p:nvPr>
-            <p:ph idx="1"/>
-          </p:nvPr>
-        </p:nvSpPr>
-        <p:spPr/>
-        <p:txBody>
-          <a:bodyPr/>
-          <a:lstStyle/>
-          <a:p>
-            <a:r>
-              <a:rPr lang="en-US" dirty="0"/>
-              <a:t>Figure out the cut off score, </a:t>
-            </a:r>
-            <a:r>
-              <a:rPr lang="en-US" dirty="0" err="1"/>
-              <a:t>t</a:t>
-            </a:r>
-            <a:r>
-              <a:rPr lang="en-US" baseline="-25000" dirty="0" err="1"/>
-              <a:t>critical</a:t>
-            </a:r>
-            <a:endParaRPr lang="en-US" baseline="-25000" dirty="0"/>
-          </a:p>
-          <a:p>
-            <a:r>
-              <a:rPr lang="en-US" dirty="0"/>
-              <a:t>Less test: </a:t>
-            </a:r>
-          </a:p>
-          <a:p>
-            <a:pPr lvl="1"/>
-            <a:r>
-              <a:rPr lang="en-US" dirty="0" err="1"/>
-              <a:t>qt</a:t>
-            </a:r>
-            <a:r>
-              <a:rPr lang="en-US" dirty="0"/>
-              <a:t>(.05, </a:t>
-            </a:r>
-            <a:r>
-              <a:rPr lang="en-US" dirty="0" err="1"/>
-              <a:t>df</a:t>
-            </a:r>
-            <a:r>
-              <a:rPr lang="en-US" dirty="0"/>
-              <a:t>, </a:t>
-            </a:r>
-            <a:r>
-              <a:rPr lang="en-US" dirty="0" err="1"/>
-              <a:t>lower.tail</a:t>
-            </a:r>
-            <a:r>
-              <a:rPr lang="en-US" dirty="0"/>
-              <a:t> = T)</a:t>
-            </a:r>
-          </a:p>
-          <a:p>
-            <a:r>
-              <a:rPr lang="en-US" dirty="0"/>
-              <a:t>Greater test: </a:t>
-            </a:r>
-          </a:p>
-          <a:p>
-            <a:pPr lvl="1"/>
-            <a:r>
-              <a:rPr lang="en-US" dirty="0" err="1"/>
-              <a:t>qt</a:t>
-            </a:r>
-            <a:r>
-              <a:rPr lang="en-US" dirty="0"/>
-              <a:t>(.05, </a:t>
-            </a:r>
-            <a:r>
-              <a:rPr lang="en-US" dirty="0" err="1"/>
-              <a:t>df</a:t>
-            </a:r>
-            <a:r>
-              <a:rPr lang="en-US" dirty="0"/>
-              <a:t>, </a:t>
-            </a:r>
-            <a:r>
-              <a:rPr lang="en-US" dirty="0" err="1"/>
-              <a:t>lower.tail</a:t>
-            </a:r>
-            <a:r>
-              <a:rPr lang="en-US" dirty="0"/>
-              <a:t> = F)</a:t>
-            </a:r>
-          </a:p>
-          <a:p>
-            <a:r>
-              <a:rPr lang="en-US" dirty="0"/>
-              <a:t>Difference test: </a:t>
-            </a:r>
-          </a:p>
-          <a:p>
-            <a:pPr lvl="1"/>
-            <a:r>
-              <a:rPr lang="en-US" dirty="0" err="1"/>
-              <a:t>qt</a:t>
-            </a:r>
-            <a:r>
-              <a:rPr lang="en-US" dirty="0"/>
-              <a:t>(.05/2, </a:t>
-            </a:r>
-            <a:r>
-              <a:rPr lang="en-US" dirty="0" err="1"/>
-              <a:t>df</a:t>
-            </a:r>
-            <a:r>
-              <a:rPr lang="en-US" dirty="0"/>
-              <a:t>, </a:t>
-            </a:r>
-            <a:r>
-              <a:rPr lang="en-US" dirty="0" err="1"/>
-              <a:t>lower.tail</a:t>
-            </a:r>
-            <a:r>
-              <a:rPr lang="en-US" dirty="0"/>
-              <a:t> = T)</a:t>
-            </a:r>
-          </a:p>
-          <a:p>
-            <a:endParaRPr lang="en-US" dirty="0"/>
-          </a:p>
-          <a:p>
-            <a:endParaRPr lang="en-US" dirty="0"/>
-          </a:p>
-        </p:txBody>
-      </p:sp>
-      <p:sp>
-        <p:nvSpPr>
-          <p:cNvPr id="4" name="TextBox 3"/>
-          <p:cNvSpPr txBox="1"/>
-          <p:nvPr/>
-        </p:nvSpPr>
-        <p:spPr>
-          <a:xfrm>
-            <a:off x="228600" y="6324600"/>
-            <a:ext cx="7697941" cy="461665"/>
-          </a:xfrm>
-          <a:prstGeom prst="rect">
-            <a:avLst/>
-          </a:prstGeom>
-          <a:noFill/>
-        </p:spPr>
-        <p:txBody>
-          <a:bodyPr wrap="none" rtlCol="0">
-            <a:spAutoFit/>
-          </a:bodyPr>
-          <a:lstStyle/>
-          <a:p>
-            <a:r>
-              <a:rPr lang="en-US" dirty="0"/>
-              <a:t>May also be .01 – </a:t>
-            </a:r>
-            <a:r>
-              <a:rPr lang="en-US"/>
-              <a:t>remember to read the problem. </a:t>
-            </a:r>
-          </a:p>
-        </p:txBody>
-      </p:sp>
-    </p:spTree>
-    <p:extLst>
-      <p:ext uri="{BB962C8B-B14F-4D97-AF65-F5344CB8AC3E}">
-        <p14:creationId xmlns:p14="http://schemas.microsoft.com/office/powerpoint/2010/main" val="1320294773"/>
-      </p:ext>
-    </p:extLst>
-  </p:cSld>
-  <p:clrMapOvr>
-    <a:masterClrMapping/>
-  </p:clrMapOvr>
-</p:sld>
-</file>
-
-<file path=ppt/slides/slide22.xml><?xml version="1.0" encoding="utf-8"?>
-<p:sld xmlns:a="http://schemas.openxmlformats.org/drawingml/2006/main" xmlns:r="http://schemas.openxmlformats.org/officeDocument/2006/relationships" xmlns:p="http://schemas.openxmlformats.org/presentationml/2006/main">
-  <p:cSld>
-    <p:spTree>
-      <p:nvGrpSpPr>
-        <p:cNvPr id="1" name=""/>
-        <p:cNvGrpSpPr/>
-        <p:nvPr/>
-      </p:nvGrpSpPr>
-      <p:grpSpPr>
-        <a:xfrm>
-          <a:off x="0" y="0"/>
-          <a:ext cx="0" cy="0"/>
-          <a:chOff x="0" y="0"/>
-          <a:chExt cx="0" cy="0"/>
-        </a:xfrm>
-      </p:grpSpPr>
-      <p:sp>
-        <p:nvSpPr>
-          <p:cNvPr id="2" name="Title 1"/>
-          <p:cNvSpPr>
-            <a:spLocks noGrp="1"/>
-          </p:cNvSpPr>
-          <p:nvPr>
-            <p:ph type="title"/>
-          </p:nvPr>
-        </p:nvSpPr>
-        <p:spPr/>
-        <p:txBody>
-          <a:bodyPr/>
-          <a:lstStyle/>
-          <a:p>
-            <a:r>
-              <a:rPr lang="en-US" dirty="0"/>
-              <a:t>Step 5</a:t>
-            </a:r>
-          </a:p>
-        </p:txBody>
-      </p:sp>
-      <p:sp>
-        <p:nvSpPr>
-          <p:cNvPr id="3" name="Content Placeholder 2"/>
-          <p:cNvSpPr>
-            <a:spLocks noGrp="1"/>
-          </p:cNvSpPr>
-          <p:nvPr>
-            <p:ph idx="1"/>
-          </p:nvPr>
-        </p:nvSpPr>
-        <p:spPr/>
-        <p:txBody>
-          <a:bodyPr/>
-          <a:lstStyle/>
-          <a:p>
-            <a:r>
-              <a:rPr lang="en-US" dirty="0"/>
-              <a:t>Find t</a:t>
-            </a:r>
-            <a:r>
-              <a:rPr lang="en-US" baseline="-25000" dirty="0"/>
-              <a:t>actual</a:t>
-            </a:r>
-          </a:p>
-          <a:p>
-            <a:pPr marL="0" indent="0">
-              <a:buNone/>
-            </a:pPr>
-            <a:r>
-              <a:rPr lang="en-US" dirty="0"/>
-              <a:t>	</a:t>
-            </a:r>
-            <a:r>
-              <a:rPr lang="en-US" sz="2400" dirty="0" err="1">
-                <a:solidFill>
-                  <a:schemeClr val="accent6"/>
-                </a:solidFill>
-              </a:rPr>
-              <a:t>t.test</a:t>
-            </a:r>
-            <a:r>
-              <a:rPr lang="en-US" sz="2400" dirty="0">
-                <a:solidFill>
-                  <a:schemeClr val="accent6"/>
-                </a:solidFill>
-              </a:rPr>
-              <a:t>(</a:t>
-            </a:r>
-            <a:r>
-              <a:rPr lang="en-US" sz="2400" i="1" dirty="0" err="1">
-                <a:solidFill>
-                  <a:schemeClr val="accent6"/>
-                </a:solidFill>
-              </a:rPr>
-              <a:t>data</a:t>
-            </a:r>
-            <a:r>
-              <a:rPr lang="en-US" sz="2400" dirty="0" err="1">
-                <a:solidFill>
-                  <a:schemeClr val="accent6"/>
-                </a:solidFill>
-              </a:rPr>
-              <a:t>$</a:t>
-            </a:r>
-            <a:r>
-              <a:rPr lang="en-US" sz="2400" i="1" dirty="0" err="1">
-                <a:solidFill>
-                  <a:schemeClr val="accent6"/>
-                </a:solidFill>
-              </a:rPr>
-              <a:t>column</a:t>
-            </a:r>
-            <a:r>
-              <a:rPr lang="en-US" sz="2400" i="1" dirty="0">
-                <a:solidFill>
-                  <a:schemeClr val="accent6"/>
-                </a:solidFill>
-              </a:rPr>
-              <a:t>,</a:t>
-            </a:r>
-          </a:p>
-          <a:p>
-            <a:pPr marL="0" indent="0">
-              <a:buNone/>
-            </a:pPr>
-            <a:r>
-              <a:rPr lang="en-US" sz="2400" i="1" dirty="0">
-                <a:solidFill>
-                  <a:schemeClr val="accent6"/>
-                </a:solidFill>
-              </a:rPr>
-              <a:t>		</a:t>
-            </a:r>
-            <a:r>
-              <a:rPr lang="en-US" sz="2400" i="1" dirty="0" err="1">
-                <a:solidFill>
-                  <a:schemeClr val="accent6"/>
-                </a:solidFill>
-              </a:rPr>
-              <a:t>data$column</a:t>
-            </a:r>
-            <a:r>
-              <a:rPr lang="en-US" sz="2400" i="1" dirty="0">
-                <a:solidFill>
-                  <a:schemeClr val="accent6"/>
-                </a:solidFill>
-              </a:rPr>
-              <a:t>,</a:t>
-            </a:r>
-          </a:p>
-          <a:p>
-            <a:pPr marL="0" indent="0">
-              <a:buNone/>
-            </a:pPr>
-            <a:r>
-              <a:rPr lang="en-US" sz="2400" dirty="0">
-                <a:solidFill>
-                  <a:schemeClr val="accent6"/>
-                </a:solidFill>
-              </a:rPr>
-              <a:t>		paired = T, </a:t>
-            </a:r>
-          </a:p>
-          <a:p>
-            <a:pPr marL="457200" lvl="1" indent="0">
-              <a:buNone/>
-            </a:pPr>
-            <a:r>
-              <a:rPr lang="en-US" sz="2400" dirty="0">
-                <a:solidFill>
-                  <a:schemeClr val="accent6"/>
-                </a:solidFill>
-              </a:rPr>
-              <a:t>		alternative = “less” OR “greater” OR 				“</a:t>
-            </a:r>
-            <a:r>
-              <a:rPr lang="en-US" sz="2400" dirty="0" err="1">
-                <a:solidFill>
-                  <a:schemeClr val="accent6"/>
-                </a:solidFill>
-              </a:rPr>
-              <a:t>two.sided</a:t>
-            </a:r>
-            <a:r>
-              <a:rPr lang="en-US" sz="2400" dirty="0">
-                <a:solidFill>
-                  <a:schemeClr val="accent6"/>
-                </a:solidFill>
-              </a:rPr>
-              <a:t>”,</a:t>
-            </a:r>
-          </a:p>
-          <a:p>
-            <a:pPr marL="457200" lvl="1" indent="0">
-              <a:buNone/>
-            </a:pPr>
-            <a:r>
-              <a:rPr lang="en-US" sz="2400" dirty="0">
-                <a:solidFill>
-                  <a:schemeClr val="accent6"/>
-                </a:solidFill>
-              </a:rPr>
-              <a:t>		</a:t>
-            </a:r>
-            <a:r>
-              <a:rPr lang="en-US" sz="2400" dirty="0" err="1">
-                <a:solidFill>
-                  <a:schemeClr val="accent6"/>
-                </a:solidFill>
-              </a:rPr>
-              <a:t>conf.level</a:t>
-            </a:r>
-            <a:r>
-              <a:rPr lang="en-US" sz="2400" dirty="0">
-                <a:solidFill>
-                  <a:schemeClr val="accent6"/>
-                </a:solidFill>
-              </a:rPr>
-              <a:t> = .95 OR .99)</a:t>
-            </a:r>
-          </a:p>
-          <a:p>
-            <a:endParaRPr lang="en-US" dirty="0"/>
-          </a:p>
-        </p:txBody>
-      </p:sp>
-    </p:spTree>
-    <p:extLst>
-      <p:ext uri="{BB962C8B-B14F-4D97-AF65-F5344CB8AC3E}">
-        <p14:creationId xmlns:p14="http://schemas.microsoft.com/office/powerpoint/2010/main" val="1942217419"/>
-      </p:ext>
-    </p:extLst>
-  </p:cSld>
-  <p:clrMapOvr>
-    <a:masterClrMapping/>
-  </p:clrMapOvr>
-</p:sld>
-</file>
-
-<file path=ppt/slides/slide23.xml><?xml version="1.0" encoding="utf-8"?>
-<p:sld xmlns:a="http://schemas.openxmlformats.org/drawingml/2006/main" xmlns:r="http://schemas.openxmlformats.org/officeDocument/2006/relationships" xmlns:p="http://schemas.openxmlformats.org/presentationml/2006/main">
-  <p:cSld>
-    <p:spTree>
-      <p:nvGrpSpPr>
-        <p:cNvPr id="1" name=""/>
-        <p:cNvGrpSpPr/>
-        <p:nvPr/>
-      </p:nvGrpSpPr>
-      <p:grpSpPr>
-        <a:xfrm>
-          <a:off x="0" y="0"/>
-          <a:ext cx="0" cy="0"/>
-          <a:chOff x="0" y="0"/>
-          <a:chExt cx="0" cy="0"/>
-        </a:xfrm>
-      </p:grpSpPr>
-      <p:sp>
-        <p:nvSpPr>
-          <p:cNvPr id="2" name="Title 1"/>
-          <p:cNvSpPr>
-            <a:spLocks noGrp="1"/>
-          </p:cNvSpPr>
-          <p:nvPr>
-            <p:ph type="title"/>
-          </p:nvPr>
-        </p:nvSpPr>
-        <p:spPr/>
-        <p:txBody>
-          <a:bodyPr/>
-          <a:lstStyle/>
-          <a:p>
-            <a:r>
-              <a:rPr lang="en-US" dirty="0"/>
-              <a:t>Step 5</a:t>
-            </a:r>
-          </a:p>
-        </p:txBody>
-      </p:sp>
-      <p:sp>
-        <p:nvSpPr>
-          <p:cNvPr id="3" name="Content Placeholder 2"/>
-          <p:cNvSpPr>
-            <a:spLocks noGrp="1"/>
-          </p:cNvSpPr>
-          <p:nvPr>
-            <p:ph idx="1"/>
-          </p:nvPr>
-        </p:nvSpPr>
-        <p:spPr/>
-        <p:txBody>
-          <a:bodyPr/>
-          <a:lstStyle/>
-          <a:p>
-            <a:r>
-              <a:rPr lang="en-US" dirty="0"/>
-              <a:t>Stop! Make sure your mean difference score, </a:t>
-            </a:r>
-            <a:r>
-              <a:rPr lang="en-US" dirty="0" err="1"/>
-              <a:t>df</a:t>
-            </a:r>
-            <a:r>
-              <a:rPr lang="en-US" dirty="0"/>
-              <a:t>, and hypothesis all match.</a:t>
-            </a:r>
-          </a:p>
-        </p:txBody>
-      </p:sp>
-      <p:pic>
-        <p:nvPicPr>
-          <p:cNvPr id="5" name="Picture 4"/>
-          <p:cNvPicPr>
-            <a:picLocks noChangeAspect="1"/>
-          </p:cNvPicPr>
-          <p:nvPr/>
-        </p:nvPicPr>
-        <p:blipFill>
-          <a:blip r:embed="rId2"/>
-          <a:stretch>
-            <a:fillRect/>
-          </a:stretch>
-        </p:blipFill>
-        <p:spPr>
-          <a:xfrm>
-            <a:off x="0" y="3352800"/>
-            <a:ext cx="8423013" cy="3149600"/>
-          </a:xfrm>
-          <a:prstGeom prst="rect">
-            <a:avLst/>
-          </a:prstGeom>
-        </p:spPr>
-      </p:pic>
-    </p:spTree>
-    <p:extLst>
-      <p:ext uri="{BB962C8B-B14F-4D97-AF65-F5344CB8AC3E}">
-        <p14:creationId xmlns:p14="http://schemas.microsoft.com/office/powerpoint/2010/main" val="15838427"/>
-      </p:ext>
-    </p:extLst>
-  </p:cSld>
-  <p:clrMapOvr>
-    <a:masterClrMapping/>
-  </p:clrMapOvr>
-</p:sld>
-</file>
-
-<file path=ppt/slides/slide24.xml><?xml version="1.0" encoding="utf-8"?>
-<p:sld xmlns:a="http://schemas.openxmlformats.org/drawingml/2006/main" xmlns:r="http://schemas.openxmlformats.org/officeDocument/2006/relationships" xmlns:p="http://schemas.openxmlformats.org/presentationml/2006/main">
-  <p:cSld>
-    <p:spTree>
-      <p:nvGrpSpPr>
-        <p:cNvPr id="1" name=""/>
-        <p:cNvGrpSpPr/>
-        <p:nvPr/>
-      </p:nvGrpSpPr>
-      <p:grpSpPr>
-        <a:xfrm>
-          <a:off x="0" y="0"/>
-          <a:ext cx="0" cy="0"/>
-          <a:chOff x="0" y="0"/>
-          <a:chExt cx="0" cy="0"/>
-        </a:xfrm>
-      </p:grpSpPr>
-      <p:sp>
-        <p:nvSpPr>
-          <p:cNvPr id="2" name="Title 1"/>
-          <p:cNvSpPr>
-            <a:spLocks noGrp="1"/>
-          </p:cNvSpPr>
-          <p:nvPr>
-            <p:ph type="title"/>
-          </p:nvPr>
-        </p:nvSpPr>
-        <p:spPr/>
-        <p:txBody>
-          <a:bodyPr/>
-          <a:lstStyle/>
-          <a:p>
-            <a:r>
-              <a:rPr lang="en-US" dirty="0"/>
-              <a:t>Step 6</a:t>
-            </a:r>
-          </a:p>
-        </p:txBody>
-      </p:sp>
-      <p:sp>
-        <p:nvSpPr>
-          <p:cNvPr id="3" name="Content Placeholder 2"/>
-          <p:cNvSpPr>
-            <a:spLocks noGrp="1"/>
-          </p:cNvSpPr>
-          <p:nvPr>
-            <p:ph idx="1"/>
-          </p:nvPr>
-        </p:nvSpPr>
-        <p:spPr/>
-        <p:txBody>
-          <a:bodyPr/>
-          <a:lstStyle/>
-          <a:p>
-            <a:r>
-              <a:rPr lang="en-US" dirty="0"/>
-              <a:t>Compare step 4 and 5 – is your score more extreme? </a:t>
-            </a:r>
-          </a:p>
-          <a:p>
-            <a:pPr lvl="1"/>
-            <a:r>
-              <a:rPr lang="en-US" dirty="0"/>
-              <a:t>Reject the null</a:t>
-            </a:r>
-          </a:p>
-          <a:p>
-            <a:r>
-              <a:rPr lang="en-US" dirty="0"/>
-              <a:t>Compare step 4 and 5 – is your score closer to the middle?</a:t>
-            </a:r>
-          </a:p>
-          <a:p>
-            <a:pPr lvl="1"/>
-            <a:r>
-              <a:rPr lang="en-US" dirty="0"/>
-              <a:t>Fail to reject the null </a:t>
-            </a:r>
-          </a:p>
-        </p:txBody>
-      </p:sp>
-    </p:spTree>
-    <p:extLst>
-      <p:ext uri="{BB962C8B-B14F-4D97-AF65-F5344CB8AC3E}">
-        <p14:creationId xmlns:p14="http://schemas.microsoft.com/office/powerpoint/2010/main" val="869236171"/>
-      </p:ext>
-    </p:extLst>
-  </p:cSld>
-  <p:clrMapOvr>
-    <a:masterClrMapping/>
-  </p:clrMapOvr>
-</p:sld>
-</file>
-
-<file path=ppt/slides/slide25.xml><?xml version="1.0" encoding="utf-8"?>
-<p:sld xmlns:a="http://schemas.openxmlformats.org/drawingml/2006/main" xmlns:r="http://schemas.openxmlformats.org/officeDocument/2006/relationships" xmlns:p="http://schemas.openxmlformats.org/presentationml/2006/main">
-  <p:cSld>
-    <p:spTree>
-      <p:nvGrpSpPr>
-        <p:cNvPr id="1" name=""/>
-        <p:cNvGrpSpPr/>
-        <p:nvPr/>
-      </p:nvGrpSpPr>
-      <p:grpSpPr>
-        <a:xfrm>
-          <a:off x="0" y="0"/>
-          <a:ext cx="0" cy="0"/>
-          <a:chOff x="0" y="0"/>
-          <a:chExt cx="0" cy="0"/>
-        </a:xfrm>
-      </p:grpSpPr>
-      <p:sp>
-        <p:nvSpPr>
-          <p:cNvPr id="2" name="Title 1"/>
-          <p:cNvSpPr>
-            <a:spLocks noGrp="1"/>
-          </p:cNvSpPr>
-          <p:nvPr>
-            <p:ph type="title"/>
-          </p:nvPr>
-        </p:nvSpPr>
-        <p:spPr/>
-        <p:txBody>
-          <a:bodyPr/>
-          <a:lstStyle/>
-          <a:p>
-            <a:r>
-              <a:rPr lang="en-US" dirty="0"/>
-              <a:t>Confidence Interval</a:t>
-            </a:r>
-          </a:p>
-        </p:txBody>
-      </p:sp>
-      <p:sp>
-        <p:nvSpPr>
-          <p:cNvPr id="3" name="Content Placeholder 2"/>
-          <p:cNvSpPr>
-            <a:spLocks noGrp="1"/>
-          </p:cNvSpPr>
-          <p:nvPr>
-            <p:ph idx="1"/>
-          </p:nvPr>
-        </p:nvSpPr>
-        <p:spPr/>
-        <p:txBody>
-          <a:bodyPr/>
-          <a:lstStyle/>
-          <a:p>
-            <a:r>
-              <a:rPr lang="en-US" dirty="0"/>
-              <a:t>Lower = </a:t>
-            </a:r>
-            <a:r>
-              <a:rPr lang="en-US" dirty="0" err="1"/>
-              <a:t>M</a:t>
-            </a:r>
-            <a:r>
-              <a:rPr lang="en-US" baseline="-25000" dirty="0" err="1"/>
-              <a:t>difference</a:t>
-            </a:r>
-            <a:r>
-              <a:rPr lang="en-US" dirty="0"/>
-              <a:t> – </a:t>
-            </a:r>
-            <a:r>
-              <a:rPr lang="en-US" dirty="0" err="1"/>
-              <a:t>t</a:t>
-            </a:r>
-            <a:r>
-              <a:rPr lang="en-US" baseline="-25000" dirty="0" err="1"/>
-              <a:t>critical</a:t>
-            </a:r>
-            <a:r>
-              <a:rPr lang="en-US" dirty="0"/>
-              <a:t>*SE</a:t>
-            </a:r>
-          </a:p>
-          <a:p>
-            <a:r>
-              <a:rPr lang="en-US" dirty="0"/>
-              <a:t>Upper = </a:t>
-            </a:r>
-            <a:r>
-              <a:rPr lang="en-US" dirty="0" err="1"/>
-              <a:t>M</a:t>
-            </a:r>
-            <a:r>
-              <a:rPr lang="en-US" baseline="-25000" dirty="0" err="1"/>
-              <a:t>difference</a:t>
-            </a:r>
-            <a:r>
-              <a:rPr lang="en-US" dirty="0"/>
-              <a:t> + </a:t>
-            </a:r>
-            <a:r>
-              <a:rPr lang="en-US" dirty="0" err="1"/>
-              <a:t>t</a:t>
-            </a:r>
-            <a:r>
-              <a:rPr lang="en-US" baseline="-25000" dirty="0" err="1"/>
-              <a:t>critical</a:t>
-            </a:r>
-            <a:r>
-              <a:rPr lang="en-US" dirty="0"/>
-              <a:t>*SE</a:t>
-            </a:r>
-          </a:p>
-          <a:p>
-            <a:endParaRPr lang="en-US" dirty="0"/>
-          </a:p>
-          <a:p>
-            <a:r>
-              <a:rPr lang="en-US" dirty="0"/>
-              <a:t>A quicker way!</a:t>
-            </a:r>
-          </a:p>
-          <a:p>
-            <a:pPr lvl="1"/>
-            <a:r>
-              <a:rPr lang="en-US" dirty="0"/>
-              <a:t>Use </a:t>
-            </a:r>
-            <a:r>
-              <a:rPr lang="en-US" dirty="0" err="1"/>
-              <a:t>t.test</a:t>
-            </a:r>
-            <a:r>
-              <a:rPr lang="en-US" dirty="0"/>
-              <a:t>() with a TWO tailed test to get the two tailed confidence interval. </a:t>
-            </a:r>
-          </a:p>
-          <a:p>
-            <a:pPr lvl="1"/>
-            <a:r>
-              <a:rPr lang="en-US" dirty="0"/>
-              <a:t>Or use the effect size coding R script!</a:t>
-            </a:r>
-          </a:p>
-        </p:txBody>
-      </p:sp>
-    </p:spTree>
-    <p:extLst>
-      <p:ext uri="{BB962C8B-B14F-4D97-AF65-F5344CB8AC3E}">
-        <p14:creationId xmlns:p14="http://schemas.microsoft.com/office/powerpoint/2010/main" val="1219213831"/>
-      </p:ext>
-    </p:extLst>
-  </p:cSld>
-  <p:clrMapOvr>
-    <a:masterClrMapping/>
-  </p:clrMapOvr>
-</p:sld>
-</file>
-
-<file path=ppt/slides/slide26.xml><?xml version="1.0" encoding="utf-8"?>
-<p:sld xmlns:a="http://schemas.openxmlformats.org/drawingml/2006/main" xmlns:r="http://schemas.openxmlformats.org/officeDocument/2006/relationships" xmlns:p="http://schemas.openxmlformats.org/presentationml/2006/main">
-  <p:cSld>
-    <p:spTree>
-      <p:nvGrpSpPr>
-        <p:cNvPr id="1" name=""/>
-        <p:cNvGrpSpPr/>
-        <p:nvPr/>
-      </p:nvGrpSpPr>
-      <p:grpSpPr>
-        <a:xfrm>
-          <a:off x="0" y="0"/>
-          <a:ext cx="0" cy="0"/>
-          <a:chOff x="0" y="0"/>
-          <a:chExt cx="0" cy="0"/>
-        </a:xfrm>
-      </p:grpSpPr>
-      <p:sp>
-        <p:nvSpPr>
           <p:cNvPr id="5123" name="Title 1"/>
           <p:cNvSpPr>
             <a:spLocks noGrp="1"/>
@@ -7588,14 +7807,14 @@
             <a:pPr lvl="1"/>
             <a:r>
               <a:rPr lang="en-US" dirty="0"/>
-              <a:t>Note this S = s of the difference scores not s of either level. </a:t>
+              <a:t>d = mean difference / s</a:t>
             </a:r>
           </a:p>
           <a:p>
             <a:pPr lvl="1"/>
             <a:r>
               <a:rPr lang="en-US" dirty="0"/>
-              <a:t>Remember, SD = s. </a:t>
+              <a:t>s = SD of difference scores</a:t>
             </a:r>
           </a:p>
         </p:txBody>
@@ -7607,11 +7826,15 @@
             <a:graphicFrameLocks noChangeAspect="1"/>
           </p:cNvGraphicFramePr>
           <p:nvPr>
-            <p:extLst/>
+            <p:extLst>
+              <p:ext uri="{D42A27DB-BD31-4B8C-83A1-F6EECF244321}">
+                <p14:modId xmlns:p14="http://schemas.microsoft.com/office/powerpoint/2010/main" val="2401922359"/>
+              </p:ext>
+            </p:extLst>
           </p:nvPr>
         </p:nvGraphicFramePr>
         <p:xfrm>
-          <a:off x="3352800" y="4724400"/>
+          <a:off x="3641565" y="3581400"/>
           <a:ext cx="1906587" cy="1033462"/>
         </p:xfrm>
         <a:graphic>
@@ -7642,7 +7865,7 @@
                     </p:blipFill>
                     <p:spPr bwMode="auto">
                       <a:xfrm>
-                        <a:off x="3352800" y="4724400"/>
+                        <a:off x="3641565" y="3581400"/>
                         <a:ext cx="1906587" cy="1033462"/>
                       </a:xfrm>
                       <a:prstGeom prst="rect">
@@ -7679,6 +7902,762 @@
 </p:sld>
 </file>
 
+<file path=ppt/slides/slide22.xml><?xml version="1.0" encoding="utf-8"?>
+<p:sld xmlns:a="http://schemas.openxmlformats.org/drawingml/2006/main" xmlns:r="http://schemas.openxmlformats.org/officeDocument/2006/relationships" xmlns:p="http://schemas.openxmlformats.org/presentationml/2006/main">
+  <p:cSld>
+    <p:spTree>
+      <p:nvGrpSpPr>
+        <p:cNvPr id="1" name=""/>
+        <p:cNvGrpSpPr/>
+        <p:nvPr/>
+      </p:nvGrpSpPr>
+      <p:grpSpPr>
+        <a:xfrm>
+          <a:off x="0" y="0"/>
+          <a:ext cx="0" cy="0"/>
+          <a:chOff x="0" y="0"/>
+          <a:chExt cx="0" cy="0"/>
+        </a:xfrm>
+      </p:grpSpPr>
+      <p:sp>
+        <p:nvSpPr>
+          <p:cNvPr id="2" name="Title 1">
+            <a:extLst>
+              <a:ext uri="{FF2B5EF4-FFF2-40B4-BE49-F238E27FC236}">
+                <a16:creationId xmlns:a16="http://schemas.microsoft.com/office/drawing/2014/main" id="{456E1085-F57F-4921-AA4A-FB70891FAE22}"/>
+              </a:ext>
+            </a:extLst>
+          </p:cNvPr>
+          <p:cNvSpPr>
+            <a:spLocks noGrp="1"/>
+          </p:cNvSpPr>
+          <p:nvPr>
+            <p:ph type="title"/>
+          </p:nvPr>
+        </p:nvSpPr>
+        <p:spPr/>
+        <p:txBody>
+          <a:bodyPr/>
+          <a:lstStyle/>
+          <a:p>
+            <a:r>
+              <a:rPr lang="en-US" dirty="0"/>
+              <a:t>How to </a:t>
+            </a:r>
+            <a:r>
+              <a:rPr lang="en-US" dirty="0" err="1"/>
+              <a:t>JASP</a:t>
+            </a:r>
+            <a:endParaRPr lang="en-US" dirty="0"/>
+          </a:p>
+        </p:txBody>
+      </p:sp>
+      <p:sp>
+        <p:nvSpPr>
+          <p:cNvPr id="3" name="Content Placeholder 2">
+            <a:extLst>
+              <a:ext uri="{FF2B5EF4-FFF2-40B4-BE49-F238E27FC236}">
+                <a16:creationId xmlns:a16="http://schemas.microsoft.com/office/drawing/2014/main" id="{C8370B41-EC03-4CD4-BB64-448C19C70E0A}"/>
+              </a:ext>
+            </a:extLst>
+          </p:cNvPr>
+          <p:cNvSpPr>
+            <a:spLocks noGrp="1"/>
+          </p:cNvSpPr>
+          <p:nvPr>
+            <p:ph idx="1"/>
+          </p:nvPr>
+        </p:nvSpPr>
+        <p:spPr/>
+        <p:txBody>
+          <a:bodyPr/>
+          <a:lstStyle/>
+          <a:p>
+            <a:r>
+              <a:rPr lang="en-US" dirty="0"/>
+              <a:t>First we have to calculate our difference scores in Excel: </a:t>
+            </a:r>
+          </a:p>
+          <a:p>
+            <a:endParaRPr lang="en-US" dirty="0"/>
+          </a:p>
+        </p:txBody>
+      </p:sp>
+      <p:pic>
+        <p:nvPicPr>
+          <p:cNvPr id="4" name="Picture 3">
+            <a:extLst>
+              <a:ext uri="{FF2B5EF4-FFF2-40B4-BE49-F238E27FC236}">
+                <a16:creationId xmlns:a16="http://schemas.microsoft.com/office/drawing/2014/main" id="{FC1AD789-FA4C-467C-880C-D0C84E56FF82}"/>
+              </a:ext>
+            </a:extLst>
+          </p:cNvPr>
+          <p:cNvPicPr/>
+          <p:nvPr/>
+        </p:nvPicPr>
+        <p:blipFill>
+          <a:blip r:embed="rId2"/>
+          <a:stretch>
+            <a:fillRect/>
+          </a:stretch>
+        </p:blipFill>
+        <p:spPr>
+          <a:xfrm>
+            <a:off x="1676400" y="2362200"/>
+            <a:ext cx="5943600" cy="3714750"/>
+          </a:xfrm>
+          <a:prstGeom prst="rect">
+            <a:avLst/>
+          </a:prstGeom>
+        </p:spPr>
+      </p:pic>
+    </p:spTree>
+    <p:extLst>
+      <p:ext uri="{BB962C8B-B14F-4D97-AF65-F5344CB8AC3E}">
+        <p14:creationId xmlns:p14="http://schemas.microsoft.com/office/powerpoint/2010/main" val="1547964927"/>
+      </p:ext>
+    </p:extLst>
+  </p:cSld>
+  <p:clrMapOvr>
+    <a:masterClrMapping/>
+  </p:clrMapOvr>
+</p:sld>
+</file>
+
+<file path=ppt/slides/slide23.xml><?xml version="1.0" encoding="utf-8"?>
+<p:sld xmlns:a="http://schemas.openxmlformats.org/drawingml/2006/main" xmlns:r="http://schemas.openxmlformats.org/officeDocument/2006/relationships" xmlns:p="http://schemas.openxmlformats.org/presentationml/2006/main">
+  <p:cSld>
+    <p:spTree>
+      <p:nvGrpSpPr>
+        <p:cNvPr id="1" name=""/>
+        <p:cNvGrpSpPr/>
+        <p:nvPr/>
+      </p:nvGrpSpPr>
+      <p:grpSpPr>
+        <a:xfrm>
+          <a:off x="0" y="0"/>
+          <a:ext cx="0" cy="0"/>
+          <a:chOff x="0" y="0"/>
+          <a:chExt cx="0" cy="0"/>
+        </a:xfrm>
+      </p:grpSpPr>
+      <p:sp>
+        <p:nvSpPr>
+          <p:cNvPr id="2" name="Title 1">
+            <a:extLst>
+              <a:ext uri="{FF2B5EF4-FFF2-40B4-BE49-F238E27FC236}">
+                <a16:creationId xmlns:a16="http://schemas.microsoft.com/office/drawing/2014/main" id="{0E6AFC9B-9506-4E3E-AD60-4733E085F28F}"/>
+              </a:ext>
+            </a:extLst>
+          </p:cNvPr>
+          <p:cNvSpPr>
+            <a:spLocks noGrp="1"/>
+          </p:cNvSpPr>
+          <p:nvPr>
+            <p:ph type="title"/>
+          </p:nvPr>
+        </p:nvSpPr>
+        <p:spPr/>
+        <p:txBody>
+          <a:bodyPr/>
+          <a:lstStyle/>
+          <a:p>
+            <a:r>
+              <a:rPr lang="en-US" dirty="0"/>
+              <a:t>How to </a:t>
+            </a:r>
+            <a:r>
+              <a:rPr lang="en-US" dirty="0" err="1"/>
+              <a:t>JASP</a:t>
+            </a:r>
+            <a:endParaRPr lang="en-US" dirty="0"/>
+          </a:p>
+        </p:txBody>
+      </p:sp>
+      <p:sp>
+        <p:nvSpPr>
+          <p:cNvPr id="3" name="Content Placeholder 2">
+            <a:extLst>
+              <a:ext uri="{FF2B5EF4-FFF2-40B4-BE49-F238E27FC236}">
+                <a16:creationId xmlns:a16="http://schemas.microsoft.com/office/drawing/2014/main" id="{0CEE43FC-5B18-4377-BA91-0ADC15546E1D}"/>
+              </a:ext>
+            </a:extLst>
+          </p:cNvPr>
+          <p:cNvSpPr>
+            <a:spLocks noGrp="1"/>
+          </p:cNvSpPr>
+          <p:nvPr>
+            <p:ph idx="1"/>
+          </p:nvPr>
+        </p:nvSpPr>
+        <p:spPr/>
+        <p:txBody>
+          <a:bodyPr/>
+          <a:lstStyle/>
+          <a:p>
+            <a:r>
+              <a:rPr lang="en-US" dirty="0"/>
+              <a:t>Save that and pull the data up in </a:t>
+            </a:r>
+            <a:r>
+              <a:rPr lang="en-US" dirty="0" err="1"/>
+              <a:t>JASP</a:t>
+            </a:r>
+            <a:endParaRPr lang="en-US" dirty="0"/>
+          </a:p>
+          <a:p>
+            <a:r>
+              <a:rPr lang="en-US" dirty="0"/>
+              <a:t>From here you find outliers like before, except </a:t>
+            </a:r>
+            <a:r>
+              <a:rPr lang="en-US" b="1" dirty="0"/>
+              <a:t>using the difference scores</a:t>
+            </a:r>
+            <a:r>
+              <a:rPr lang="en-US" dirty="0"/>
+              <a:t> as the variable you are checking</a:t>
+            </a:r>
+          </a:p>
+          <a:p>
+            <a:endParaRPr lang="en-US" dirty="0"/>
+          </a:p>
+          <a:p>
+            <a:endParaRPr lang="en-US" dirty="0"/>
+          </a:p>
+        </p:txBody>
+      </p:sp>
+      <p:pic>
+        <p:nvPicPr>
+          <p:cNvPr id="5" name="Picture 4">
+            <a:extLst>
+              <a:ext uri="{FF2B5EF4-FFF2-40B4-BE49-F238E27FC236}">
+                <a16:creationId xmlns:a16="http://schemas.microsoft.com/office/drawing/2014/main" id="{894511D9-DDC2-46F5-8A2D-359EE8A71CE0}"/>
+              </a:ext>
+            </a:extLst>
+          </p:cNvPr>
+          <p:cNvPicPr/>
+          <p:nvPr/>
+        </p:nvPicPr>
+        <p:blipFill rotWithShape="1">
+          <a:blip r:embed="rId2"/>
+          <a:srcRect r="50000" b="60631"/>
+          <a:stretch/>
+        </p:blipFill>
+        <p:spPr>
+          <a:xfrm>
+            <a:off x="2400300" y="3404419"/>
+            <a:ext cx="4343400" cy="2257214"/>
+          </a:xfrm>
+          <a:prstGeom prst="rect">
+            <a:avLst/>
+          </a:prstGeom>
+        </p:spPr>
+      </p:pic>
+    </p:spTree>
+    <p:extLst>
+      <p:ext uri="{BB962C8B-B14F-4D97-AF65-F5344CB8AC3E}">
+        <p14:creationId xmlns:p14="http://schemas.microsoft.com/office/powerpoint/2010/main" val="2091266570"/>
+      </p:ext>
+    </p:extLst>
+  </p:cSld>
+  <p:clrMapOvr>
+    <a:masterClrMapping/>
+  </p:clrMapOvr>
+</p:sld>
+</file>
+
+<file path=ppt/slides/slide24.xml><?xml version="1.0" encoding="utf-8"?>
+<p:sld xmlns:a="http://schemas.openxmlformats.org/drawingml/2006/main" xmlns:r="http://schemas.openxmlformats.org/officeDocument/2006/relationships" xmlns:p="http://schemas.openxmlformats.org/presentationml/2006/main">
+  <p:cSld>
+    <p:spTree>
+      <p:nvGrpSpPr>
+        <p:cNvPr id="1" name=""/>
+        <p:cNvGrpSpPr/>
+        <p:nvPr/>
+      </p:nvGrpSpPr>
+      <p:grpSpPr>
+        <a:xfrm>
+          <a:off x="0" y="0"/>
+          <a:ext cx="0" cy="0"/>
+          <a:chOff x="0" y="0"/>
+          <a:chExt cx="0" cy="0"/>
+        </a:xfrm>
+      </p:grpSpPr>
+      <p:sp>
+        <p:nvSpPr>
+          <p:cNvPr id="2" name="Title 1">
+            <a:extLst>
+              <a:ext uri="{FF2B5EF4-FFF2-40B4-BE49-F238E27FC236}">
+                <a16:creationId xmlns:a16="http://schemas.microsoft.com/office/drawing/2014/main" id="{2D9CF9AB-0F47-403F-97E1-CCED6B145FAE}"/>
+              </a:ext>
+            </a:extLst>
+          </p:cNvPr>
+          <p:cNvSpPr>
+            <a:spLocks noGrp="1"/>
+          </p:cNvSpPr>
+          <p:nvPr>
+            <p:ph type="title"/>
+          </p:nvPr>
+        </p:nvSpPr>
+        <p:spPr/>
+        <p:txBody>
+          <a:bodyPr/>
+          <a:lstStyle/>
+          <a:p>
+            <a:r>
+              <a:rPr lang="en-US" dirty="0"/>
+              <a:t>How to </a:t>
+            </a:r>
+            <a:r>
+              <a:rPr lang="en-US" dirty="0" err="1"/>
+              <a:t>JASP</a:t>
+            </a:r>
+            <a:endParaRPr lang="en-US" dirty="0"/>
+          </a:p>
+        </p:txBody>
+      </p:sp>
+      <p:sp>
+        <p:nvSpPr>
+          <p:cNvPr id="3" name="Content Placeholder 2">
+            <a:extLst>
+              <a:ext uri="{FF2B5EF4-FFF2-40B4-BE49-F238E27FC236}">
+                <a16:creationId xmlns:a16="http://schemas.microsoft.com/office/drawing/2014/main" id="{AB2F2F61-6070-49DA-B145-DB3F904D75DE}"/>
+              </a:ext>
+            </a:extLst>
+          </p:cNvPr>
+          <p:cNvSpPr>
+            <a:spLocks noGrp="1"/>
+          </p:cNvSpPr>
+          <p:nvPr>
+            <p:ph idx="1"/>
+          </p:nvPr>
+        </p:nvSpPr>
+        <p:spPr/>
+        <p:txBody>
+          <a:bodyPr/>
+          <a:lstStyle/>
+          <a:p>
+            <a:r>
+              <a:rPr lang="en-US" dirty="0"/>
+              <a:t>Make a distribution plot</a:t>
+            </a:r>
+          </a:p>
+          <a:p>
+            <a:pPr lvl="1"/>
+            <a:r>
+              <a:rPr lang="en-US" dirty="0"/>
+              <a:t>Does it look like a bell curve? </a:t>
+            </a:r>
+          </a:p>
+          <a:p>
+            <a:r>
+              <a:rPr lang="en-US" dirty="0"/>
+              <a:t>Make a box plot and label outliers</a:t>
+            </a:r>
+          </a:p>
+          <a:p>
+            <a:pPr lvl="1"/>
+            <a:r>
+              <a:rPr lang="en-US" dirty="0" err="1"/>
+              <a:t>Descriptives</a:t>
+            </a:r>
+            <a:r>
+              <a:rPr lang="en-US" dirty="0"/>
+              <a:t> </a:t>
+            </a:r>
+            <a:r>
+              <a:rPr lang="en-US" dirty="0">
+                <a:sym typeface="Wingdings" panose="05000000000000000000" pitchFamily="2" charset="2"/>
+              </a:rPr>
+              <a:t> Descriptive Statistics  Plots  select “Distribution plots” and “Boxplots” </a:t>
+            </a:r>
+          </a:p>
+          <a:p>
+            <a:pPr lvl="1"/>
+            <a:r>
+              <a:rPr lang="en-US" dirty="0">
+                <a:sym typeface="Wingdings" panose="05000000000000000000" pitchFamily="2" charset="2"/>
+              </a:rPr>
+              <a:t>Under Boxplots select “Label Outliers” and “Jitter Element”</a:t>
+            </a:r>
+          </a:p>
+          <a:p>
+            <a:pPr lvl="2"/>
+            <a:r>
+              <a:rPr lang="en-US" dirty="0">
+                <a:sym typeface="Wingdings" panose="05000000000000000000" pitchFamily="2" charset="2"/>
+              </a:rPr>
+              <a:t>Anything outside the top and bottom lines would be labeled an outlier</a:t>
+            </a:r>
+            <a:endParaRPr lang="en-US" dirty="0"/>
+          </a:p>
+          <a:p>
+            <a:endParaRPr lang="en-US" dirty="0"/>
+          </a:p>
+        </p:txBody>
+      </p:sp>
+    </p:spTree>
+    <p:extLst>
+      <p:ext uri="{BB962C8B-B14F-4D97-AF65-F5344CB8AC3E}">
+        <p14:creationId xmlns:p14="http://schemas.microsoft.com/office/powerpoint/2010/main" val="3557831574"/>
+      </p:ext>
+    </p:extLst>
+  </p:cSld>
+  <p:clrMapOvr>
+    <a:masterClrMapping/>
+  </p:clrMapOvr>
+</p:sld>
+</file>
+
+<file path=ppt/slides/slide25.xml><?xml version="1.0" encoding="utf-8"?>
+<p:sld xmlns:a="http://schemas.openxmlformats.org/drawingml/2006/main" xmlns:r="http://schemas.openxmlformats.org/officeDocument/2006/relationships" xmlns:p="http://schemas.openxmlformats.org/presentationml/2006/main">
+  <p:cSld>
+    <p:spTree>
+      <p:nvGrpSpPr>
+        <p:cNvPr id="1" name=""/>
+        <p:cNvGrpSpPr/>
+        <p:nvPr/>
+      </p:nvGrpSpPr>
+      <p:grpSpPr>
+        <a:xfrm>
+          <a:off x="0" y="0"/>
+          <a:ext cx="0" cy="0"/>
+          <a:chOff x="0" y="0"/>
+          <a:chExt cx="0" cy="0"/>
+        </a:xfrm>
+      </p:grpSpPr>
+      <p:sp>
+        <p:nvSpPr>
+          <p:cNvPr id="2" name="Title 1">
+            <a:extLst>
+              <a:ext uri="{FF2B5EF4-FFF2-40B4-BE49-F238E27FC236}">
+                <a16:creationId xmlns:a16="http://schemas.microsoft.com/office/drawing/2014/main" id="{3EBA9877-18F8-49ED-9AC0-9772B14B545B}"/>
+              </a:ext>
+            </a:extLst>
+          </p:cNvPr>
+          <p:cNvSpPr>
+            <a:spLocks noGrp="1"/>
+          </p:cNvSpPr>
+          <p:nvPr>
+            <p:ph type="title"/>
+          </p:nvPr>
+        </p:nvSpPr>
+        <p:spPr/>
+        <p:txBody>
+          <a:bodyPr/>
+          <a:lstStyle/>
+          <a:p>
+            <a:r>
+              <a:rPr lang="en-US" dirty="0"/>
+              <a:t>How to </a:t>
+            </a:r>
+            <a:r>
+              <a:rPr lang="en-US" dirty="0" err="1"/>
+              <a:t>JASP</a:t>
+            </a:r>
+            <a:endParaRPr lang="en-US" dirty="0"/>
+          </a:p>
+        </p:txBody>
+      </p:sp>
+      <p:sp>
+        <p:nvSpPr>
+          <p:cNvPr id="3" name="Content Placeholder 2">
+            <a:extLst>
+              <a:ext uri="{FF2B5EF4-FFF2-40B4-BE49-F238E27FC236}">
+                <a16:creationId xmlns:a16="http://schemas.microsoft.com/office/drawing/2014/main" id="{59CA713F-3481-4827-B4F9-592913E51868}"/>
+              </a:ext>
+            </a:extLst>
+          </p:cNvPr>
+          <p:cNvSpPr>
+            <a:spLocks noGrp="1"/>
+          </p:cNvSpPr>
+          <p:nvPr>
+            <p:ph idx="1"/>
+          </p:nvPr>
+        </p:nvSpPr>
+        <p:spPr/>
+        <p:txBody>
+          <a:bodyPr/>
+          <a:lstStyle/>
+          <a:p>
+            <a:r>
+              <a:rPr lang="en-US" dirty="0"/>
+              <a:t>Now we can run the </a:t>
+            </a:r>
+            <a:r>
+              <a:rPr lang="en-US" i="1" dirty="0"/>
+              <a:t>t </a:t>
+            </a:r>
+            <a:r>
+              <a:rPr lang="en-US" dirty="0"/>
+              <a:t>test and check for normality</a:t>
+            </a:r>
+          </a:p>
+          <a:p>
+            <a:r>
+              <a:rPr lang="en-US" dirty="0"/>
+              <a:t>Go to T-Tests </a:t>
+            </a:r>
+            <a:r>
+              <a:rPr lang="en-US" dirty="0">
+                <a:sym typeface="Wingdings" panose="05000000000000000000" pitchFamily="2" charset="2"/>
+              </a:rPr>
+              <a:t> Paired Samples T-Test </a:t>
+            </a:r>
+          </a:p>
+          <a:p>
+            <a:r>
+              <a:rPr lang="en-US" dirty="0">
+                <a:sym typeface="Wingdings" panose="05000000000000000000" pitchFamily="2" charset="2"/>
+              </a:rPr>
+              <a:t>Select the two variables you are comparing and move them to the right</a:t>
+            </a:r>
+            <a:endParaRPr lang="en-US" dirty="0"/>
+          </a:p>
+        </p:txBody>
+      </p:sp>
+      <p:pic>
+        <p:nvPicPr>
+          <p:cNvPr id="4" name="Picture 3">
+            <a:extLst>
+              <a:ext uri="{FF2B5EF4-FFF2-40B4-BE49-F238E27FC236}">
+                <a16:creationId xmlns:a16="http://schemas.microsoft.com/office/drawing/2014/main" id="{875B9E87-DF1F-46BD-ABC7-50711CEA837A}"/>
+              </a:ext>
+            </a:extLst>
+          </p:cNvPr>
+          <p:cNvPicPr/>
+          <p:nvPr/>
+        </p:nvPicPr>
+        <p:blipFill rotWithShape="1">
+          <a:blip r:embed="rId2"/>
+          <a:srcRect r="51282" b="52820"/>
+          <a:stretch/>
+        </p:blipFill>
+        <p:spPr>
+          <a:xfrm>
+            <a:off x="2552700" y="3478168"/>
+            <a:ext cx="4038600" cy="2499299"/>
+          </a:xfrm>
+          <a:prstGeom prst="rect">
+            <a:avLst/>
+          </a:prstGeom>
+        </p:spPr>
+      </p:pic>
+    </p:spTree>
+    <p:extLst>
+      <p:ext uri="{BB962C8B-B14F-4D97-AF65-F5344CB8AC3E}">
+        <p14:creationId xmlns:p14="http://schemas.microsoft.com/office/powerpoint/2010/main" val="965349749"/>
+      </p:ext>
+    </p:extLst>
+  </p:cSld>
+  <p:clrMapOvr>
+    <a:masterClrMapping/>
+  </p:clrMapOvr>
+</p:sld>
+</file>
+
+<file path=ppt/slides/slide26.xml><?xml version="1.0" encoding="utf-8"?>
+<p:sld xmlns:a="http://schemas.openxmlformats.org/drawingml/2006/main" xmlns:r="http://schemas.openxmlformats.org/officeDocument/2006/relationships" xmlns:p="http://schemas.openxmlformats.org/presentationml/2006/main">
+  <p:cSld>
+    <p:spTree>
+      <p:nvGrpSpPr>
+        <p:cNvPr id="1" name=""/>
+        <p:cNvGrpSpPr/>
+        <p:nvPr/>
+      </p:nvGrpSpPr>
+      <p:grpSpPr>
+        <a:xfrm>
+          <a:off x="0" y="0"/>
+          <a:ext cx="0" cy="0"/>
+          <a:chOff x="0" y="0"/>
+          <a:chExt cx="0" cy="0"/>
+        </a:xfrm>
+      </p:grpSpPr>
+      <p:sp>
+        <p:nvSpPr>
+          <p:cNvPr id="2" name="Title 1">
+            <a:extLst>
+              <a:ext uri="{FF2B5EF4-FFF2-40B4-BE49-F238E27FC236}">
+                <a16:creationId xmlns:a16="http://schemas.microsoft.com/office/drawing/2014/main" id="{A2E19315-97C9-4E1B-8294-4AF473802599}"/>
+              </a:ext>
+            </a:extLst>
+          </p:cNvPr>
+          <p:cNvSpPr>
+            <a:spLocks noGrp="1"/>
+          </p:cNvSpPr>
+          <p:nvPr>
+            <p:ph type="title"/>
+          </p:nvPr>
+        </p:nvSpPr>
+        <p:spPr/>
+        <p:txBody>
+          <a:bodyPr/>
+          <a:lstStyle/>
+          <a:p>
+            <a:r>
+              <a:rPr lang="en-US" dirty="0"/>
+              <a:t>How to </a:t>
+            </a:r>
+            <a:r>
+              <a:rPr lang="en-US" dirty="0" err="1"/>
+              <a:t>JASP</a:t>
+            </a:r>
+            <a:endParaRPr lang="en-US" dirty="0"/>
+          </a:p>
+        </p:txBody>
+      </p:sp>
+      <p:sp>
+        <p:nvSpPr>
+          <p:cNvPr id="3" name="Content Placeholder 2">
+            <a:extLst>
+              <a:ext uri="{FF2B5EF4-FFF2-40B4-BE49-F238E27FC236}">
+                <a16:creationId xmlns:a16="http://schemas.microsoft.com/office/drawing/2014/main" id="{FE2A7FBF-3612-4F87-A5C6-4F5F147B0511}"/>
+              </a:ext>
+            </a:extLst>
+          </p:cNvPr>
+          <p:cNvSpPr>
+            <a:spLocks noGrp="1"/>
+          </p:cNvSpPr>
+          <p:nvPr>
+            <p:ph idx="1"/>
+          </p:nvPr>
+        </p:nvSpPr>
+        <p:spPr/>
+        <p:txBody>
+          <a:bodyPr/>
+          <a:lstStyle/>
+          <a:p>
+            <a:r>
+              <a:rPr lang="en-US" dirty="0"/>
+              <a:t>To find out if the data meets normality, select “Normality” under “Assumption checks” </a:t>
+            </a:r>
+          </a:p>
+          <a:p>
+            <a:endParaRPr lang="en-US" dirty="0"/>
+          </a:p>
+        </p:txBody>
+      </p:sp>
+      <p:pic>
+        <p:nvPicPr>
+          <p:cNvPr id="4" name="Picture 3">
+            <a:extLst>
+              <a:ext uri="{FF2B5EF4-FFF2-40B4-BE49-F238E27FC236}">
+                <a16:creationId xmlns:a16="http://schemas.microsoft.com/office/drawing/2014/main" id="{DCE2844B-9129-4D28-AF00-82ABAEFEFEB2}"/>
+              </a:ext>
+            </a:extLst>
+          </p:cNvPr>
+          <p:cNvPicPr/>
+          <p:nvPr/>
+        </p:nvPicPr>
+        <p:blipFill rotWithShape="1">
+          <a:blip r:embed="rId2"/>
+          <a:srcRect t="45897" r="78205"/>
+          <a:stretch/>
+        </p:blipFill>
+        <p:spPr>
+          <a:xfrm>
+            <a:off x="990600" y="2819400"/>
+            <a:ext cx="2057400" cy="2924174"/>
+          </a:xfrm>
+          <a:prstGeom prst="rect">
+            <a:avLst/>
+          </a:prstGeom>
+        </p:spPr>
+      </p:pic>
+      <p:pic>
+        <p:nvPicPr>
+          <p:cNvPr id="5" name="Picture 4">
+            <a:extLst>
+              <a:ext uri="{FF2B5EF4-FFF2-40B4-BE49-F238E27FC236}">
+                <a16:creationId xmlns:a16="http://schemas.microsoft.com/office/drawing/2014/main" id="{96D293B1-67D5-4C13-AE1E-ABFD5983E9EC}"/>
+              </a:ext>
+            </a:extLst>
+          </p:cNvPr>
+          <p:cNvPicPr>
+            <a:picLocks noChangeAspect="1"/>
+          </p:cNvPicPr>
+          <p:nvPr/>
+        </p:nvPicPr>
+        <p:blipFill>
+          <a:blip r:embed="rId3"/>
+          <a:stretch>
+            <a:fillRect/>
+          </a:stretch>
+        </p:blipFill>
+        <p:spPr>
+          <a:xfrm>
+            <a:off x="3363125" y="3519487"/>
+            <a:ext cx="4953000" cy="1524000"/>
+          </a:xfrm>
+          <a:prstGeom prst="rect">
+            <a:avLst/>
+          </a:prstGeom>
+        </p:spPr>
+      </p:pic>
+      <p:sp>
+        <p:nvSpPr>
+          <p:cNvPr id="6" name="Arrow: Down 5">
+            <a:extLst>
+              <a:ext uri="{FF2B5EF4-FFF2-40B4-BE49-F238E27FC236}">
+                <a16:creationId xmlns:a16="http://schemas.microsoft.com/office/drawing/2014/main" id="{57EE711F-953B-417D-A43D-9C25E8EC1391}"/>
+              </a:ext>
+            </a:extLst>
+          </p:cNvPr>
+          <p:cNvSpPr/>
+          <p:nvPr/>
+        </p:nvSpPr>
+        <p:spPr>
+          <a:xfrm rot="13994829">
+            <a:off x="989948" y="4704280"/>
+            <a:ext cx="601980" cy="832717"/>
+          </a:xfrm>
+          <a:prstGeom prst="downArrow">
+            <a:avLst/>
+          </a:prstGeom>
+        </p:spPr>
+        <p:style>
+          <a:lnRef idx="2">
+            <a:schemeClr val="accent1">
+              <a:shade val="50000"/>
+            </a:schemeClr>
+          </a:lnRef>
+          <a:fillRef idx="1">
+            <a:schemeClr val="accent1"/>
+          </a:fillRef>
+          <a:effectRef idx="0">
+            <a:schemeClr val="accent1"/>
+          </a:effectRef>
+          <a:fontRef idx="minor">
+            <a:schemeClr val="lt1"/>
+          </a:fontRef>
+        </p:style>
+        <p:txBody>
+          <a:bodyPr rot="0" spcFirstLastPara="0" vert="horz" wrap="square" lIns="91440" tIns="45720" rIns="91440" bIns="45720" numCol="1" spcCol="0" rtlCol="0" fromWordArt="0" anchor="ctr" anchorCtr="0" forceAA="0" compatLnSpc="1">
+            <a:prstTxWarp prst="textNoShape">
+              <a:avLst/>
+            </a:prstTxWarp>
+            <a:noAutofit/>
+          </a:bodyPr>
+          <a:lstStyle/>
+          <a:p>
+            <a:endParaRPr lang="en-US"/>
+          </a:p>
+        </p:txBody>
+      </p:sp>
+    </p:spTree>
+    <p:extLst>
+      <p:ext uri="{BB962C8B-B14F-4D97-AF65-F5344CB8AC3E}">
+        <p14:creationId xmlns:p14="http://schemas.microsoft.com/office/powerpoint/2010/main" val="188488061"/>
+      </p:ext>
+    </p:extLst>
+  </p:cSld>
+  <p:clrMapOvr>
+    <a:masterClrMapping/>
+  </p:clrMapOvr>
+</p:sld>
+</file>
+
 <file path=ppt/slides/slide27.xml><?xml version="1.0" encoding="utf-8"?>
 <p:sld xmlns:a="http://schemas.openxmlformats.org/drawingml/2006/main" xmlns:r="http://schemas.openxmlformats.org/officeDocument/2006/relationships" xmlns:p="http://schemas.openxmlformats.org/presentationml/2006/main">
   <p:cSld>
@@ -7698,7 +8677,13 @@
       </p:grpSpPr>
       <p:sp>
         <p:nvSpPr>
-          <p:cNvPr id="2" name="Title 1"/>
+          <p:cNvPr id="2" name="Title 1">
+            <a:extLst>
+              <a:ext uri="{FF2B5EF4-FFF2-40B4-BE49-F238E27FC236}">
+                <a16:creationId xmlns:a16="http://schemas.microsoft.com/office/drawing/2014/main" id="{3D615C63-AD43-4C3D-B128-B8653B3EA307}"/>
+              </a:ext>
+            </a:extLst>
+          </p:cNvPr>
           <p:cNvSpPr>
             <a:spLocks noGrp="1"/>
           </p:cNvSpPr>
@@ -7713,114 +8698,488 @@
           <a:p>
             <a:r>
               <a:rPr lang="en-US" dirty="0"/>
-              <a:t>Effect Size</a:t>
-            </a:r>
-          </a:p>
-        </p:txBody>
-      </p:sp>
-      <p:sp>
-        <p:nvSpPr>
-          <p:cNvPr id="3" name="Content Placeholder 2"/>
+              <a:t>How to </a:t>
+            </a:r>
+            <a:r>
+              <a:rPr lang="en-US" dirty="0" err="1"/>
+              <a:t>JASP</a:t>
+            </a:r>
+            <a:endParaRPr lang="en-US" dirty="0"/>
+          </a:p>
+        </p:txBody>
+      </p:sp>
+      <p:sp>
+        <p:nvSpPr>
+          <p:cNvPr id="3" name="Content Placeholder 2">
+            <a:extLst>
+              <a:ext uri="{FF2B5EF4-FFF2-40B4-BE49-F238E27FC236}">
+                <a16:creationId xmlns:a16="http://schemas.microsoft.com/office/drawing/2014/main" id="{3752DB03-153F-4AF2-B586-05951D6C167C}"/>
+              </a:ext>
+            </a:extLst>
+          </p:cNvPr>
           <p:cNvSpPr>
             <a:spLocks noGrp="1"/>
           </p:cNvSpPr>
           <p:nvPr>
             <p:ph idx="1"/>
           </p:nvPr>
-        </p:nvSpPr>
-        <p:spPr/>
-        <p:txBody>
-          <a:bodyPr/>
-          <a:lstStyle/>
-          <a:p>
-            <a:r>
-              <a:rPr lang="en-US" dirty="0"/>
-              <a:t>Run all the </a:t>
-            </a:r>
-            <a:r>
-              <a:rPr lang="en-US" dirty="0" err="1"/>
-              <a:t>effsize.R</a:t>
-            </a:r>
-            <a:r>
-              <a:rPr lang="en-US" dirty="0"/>
-              <a:t> to get the right functions.</a:t>
-            </a:r>
-          </a:p>
-          <a:p>
-            <a:r>
-              <a:rPr lang="en-US" dirty="0" err="1"/>
-              <a:t>d.deptdiff</a:t>
-            </a:r>
-            <a:r>
-              <a:rPr lang="en-US" dirty="0"/>
-              <a:t>(</a:t>
-            </a:r>
-            <a:r>
-              <a:rPr lang="en-US" dirty="0" err="1"/>
-              <a:t>mdiff</a:t>
-            </a:r>
-            <a:r>
-              <a:rPr lang="en-US" dirty="0"/>
-              <a:t> = .857, </a:t>
-            </a:r>
-            <a:r>
-              <a:rPr lang="en-US" dirty="0" err="1"/>
-              <a:t>sddiff</a:t>
-            </a:r>
-            <a:r>
-              <a:rPr lang="en-US" dirty="0"/>
-              <a:t> = 1.07, n = 7, a = .05, k = 2)</a:t>
-            </a:r>
-          </a:p>
-        </p:txBody>
-      </p:sp>
-      <p:sp>
-        <p:nvSpPr>
-          <p:cNvPr id="4" name="Rectangle 3"/>
-          <p:cNvSpPr/>
-          <p:nvPr/>
         </p:nvSpPr>
         <p:spPr>
           <a:xfrm>
-            <a:off x="685800" y="4495800"/>
-            <a:ext cx="8229600" cy="1938992"/>
+            <a:off x="822959" y="1845734"/>
+            <a:ext cx="4587241" cy="4326466"/>
+          </a:xfrm>
+        </p:spPr>
+        <p:txBody>
+          <a:bodyPr>
+            <a:normAutofit/>
+          </a:bodyPr>
+          <a:lstStyle/>
+          <a:p>
+            <a:r>
+              <a:rPr lang="en-US" dirty="0"/>
+              <a:t>Since we are doing a two-tailed test, you would select  Measure 1 ≠ Measure 2 for the hypothesis</a:t>
+            </a:r>
+          </a:p>
+          <a:p>
+            <a:r>
+              <a:rPr lang="en-US" dirty="0"/>
+              <a:t>Selecting “Effect size” will give you Cohen’s </a:t>
+            </a:r>
+            <a:r>
+              <a:rPr lang="en-US" i="1" dirty="0"/>
+              <a:t>d</a:t>
+            </a:r>
+            <a:endParaRPr lang="en-US" dirty="0"/>
+          </a:p>
+          <a:p>
+            <a:r>
+              <a:rPr lang="en-US" dirty="0"/>
+              <a:t>Selecting “Location parameter” and “Confidence interval 95%” will give you the 95% CI for the mean difference</a:t>
+            </a:r>
+          </a:p>
+          <a:p>
+            <a:r>
+              <a:rPr lang="en-US" dirty="0"/>
+              <a:t>Can also select “</a:t>
+            </a:r>
+            <a:r>
+              <a:rPr lang="en-US" dirty="0" err="1"/>
+              <a:t>Descriptives</a:t>
+            </a:r>
+            <a:r>
+              <a:rPr lang="en-US" dirty="0"/>
+              <a:t>” to get those</a:t>
+            </a:r>
+          </a:p>
+          <a:p>
+            <a:endParaRPr lang="en-US" dirty="0"/>
+          </a:p>
+        </p:txBody>
+      </p:sp>
+      <p:pic>
+        <p:nvPicPr>
+          <p:cNvPr id="6" name="Picture 5">
+            <a:extLst>
+              <a:ext uri="{FF2B5EF4-FFF2-40B4-BE49-F238E27FC236}">
+                <a16:creationId xmlns:a16="http://schemas.microsoft.com/office/drawing/2014/main" id="{6893541E-4EB2-4AE8-8EBB-4CF2D56C23EC}"/>
+              </a:ext>
+            </a:extLst>
+          </p:cNvPr>
+          <p:cNvPicPr/>
+          <p:nvPr/>
+        </p:nvPicPr>
+        <p:blipFill rotWithShape="1">
+          <a:blip r:embed="rId2"/>
+          <a:srcRect t="45425" r="51282"/>
+          <a:stretch/>
+        </p:blipFill>
+        <p:spPr>
+          <a:xfrm>
+            <a:off x="5380702" y="2133600"/>
+            <a:ext cx="3763297" cy="3048000"/>
           </a:xfrm>
           <a:prstGeom prst="rect">
             <a:avLst/>
           </a:prstGeom>
         </p:spPr>
-        <p:txBody>
-          <a:bodyPr wrap="square">
-            <a:spAutoFit/>
-          </a:bodyPr>
-          <a:lstStyle/>
-          <a:p>
-            <a:r>
-              <a:rPr lang="en-US" dirty="0"/>
-              <a:t>M = 0.86, SD = 1.07, SE = 0.40, 95%CI[-0.13 - 1.85]</a:t>
-            </a:r>
-          </a:p>
-          <a:p>
-            <a:r>
-              <a:rPr lang="en-US" dirty="0"/>
-              <a:t>t(6) = 2.12, p =  0.08, d = 0.80, 95%CI[-0.09 - 1.64]</a:t>
-            </a:r>
-          </a:p>
-          <a:p>
-            <a:endParaRPr lang="en-US" dirty="0"/>
-          </a:p>
-          <a:p>
-            <a:r>
-              <a:rPr lang="en-US" dirty="0"/>
-              <a:t>- Remember that t values here are always two-tailed, t will match but not necessarily p.</a:t>
-            </a:r>
-          </a:p>
-        </p:txBody>
-      </p:sp>
+      </p:pic>
     </p:spTree>
     <p:extLst>
       <p:ext uri="{BB962C8B-B14F-4D97-AF65-F5344CB8AC3E}">
-        <p14:creationId xmlns:p14="http://schemas.microsoft.com/office/powerpoint/2010/main" val="1397210890"/>
+        <p14:creationId xmlns:p14="http://schemas.microsoft.com/office/powerpoint/2010/main" val="1074381458"/>
+      </p:ext>
+    </p:extLst>
+  </p:cSld>
+  <p:clrMapOvr>
+    <a:masterClrMapping/>
+  </p:clrMapOvr>
+</p:sld>
+</file>
+
+<file path=ppt/slides/slide28.xml><?xml version="1.0" encoding="utf-8"?>
+<p:sld xmlns:a="http://schemas.openxmlformats.org/drawingml/2006/main" xmlns:r="http://schemas.openxmlformats.org/officeDocument/2006/relationships" xmlns:p="http://schemas.openxmlformats.org/presentationml/2006/main">
+  <p:cSld>
+    <p:spTree>
+      <p:nvGrpSpPr>
+        <p:cNvPr id="1" name=""/>
+        <p:cNvGrpSpPr/>
+        <p:nvPr/>
+      </p:nvGrpSpPr>
+      <p:grpSpPr>
+        <a:xfrm>
+          <a:off x="0" y="0"/>
+          <a:ext cx="0" cy="0"/>
+          <a:chOff x="0" y="0"/>
+          <a:chExt cx="0" cy="0"/>
+        </a:xfrm>
+      </p:grpSpPr>
+      <p:sp>
+        <p:nvSpPr>
+          <p:cNvPr id="2" name="Title 1">
+            <a:extLst>
+              <a:ext uri="{FF2B5EF4-FFF2-40B4-BE49-F238E27FC236}">
+                <a16:creationId xmlns:a16="http://schemas.microsoft.com/office/drawing/2014/main" id="{24548944-6FF5-4C36-A152-27B18725F66D}"/>
+              </a:ext>
+            </a:extLst>
+          </p:cNvPr>
+          <p:cNvSpPr>
+            <a:spLocks noGrp="1"/>
+          </p:cNvSpPr>
+          <p:nvPr>
+            <p:ph type="title"/>
+          </p:nvPr>
+        </p:nvSpPr>
+        <p:spPr/>
+        <p:txBody>
+          <a:bodyPr/>
+          <a:lstStyle/>
+          <a:p>
+            <a:r>
+              <a:rPr lang="en-US" dirty="0"/>
+              <a:t>How to </a:t>
+            </a:r>
+            <a:r>
+              <a:rPr lang="en-US" dirty="0" err="1"/>
+              <a:t>JASP</a:t>
+            </a:r>
+            <a:endParaRPr lang="en-US" dirty="0"/>
+          </a:p>
+        </p:txBody>
+      </p:sp>
+      <p:sp>
+        <p:nvSpPr>
+          <p:cNvPr id="3" name="Content Placeholder 2">
+            <a:extLst>
+              <a:ext uri="{FF2B5EF4-FFF2-40B4-BE49-F238E27FC236}">
+                <a16:creationId xmlns:a16="http://schemas.microsoft.com/office/drawing/2014/main" id="{093B314E-1DC0-41E8-8D0C-67D0E7E4E08F}"/>
+              </a:ext>
+            </a:extLst>
+          </p:cNvPr>
+          <p:cNvSpPr>
+            <a:spLocks noGrp="1"/>
+          </p:cNvSpPr>
+          <p:nvPr>
+            <p:ph idx="1"/>
+          </p:nvPr>
+        </p:nvSpPr>
+        <p:spPr/>
+        <p:txBody>
+          <a:bodyPr>
+            <a:normAutofit/>
+          </a:bodyPr>
+          <a:lstStyle/>
+          <a:p>
+            <a:r>
+              <a:rPr lang="en-US" dirty="0"/>
+              <a:t>Now we just interpret our results</a:t>
+            </a:r>
+          </a:p>
+          <a:p>
+            <a:endParaRPr lang="en-US" dirty="0"/>
+          </a:p>
+          <a:p>
+            <a:endParaRPr lang="en-US" dirty="0"/>
+          </a:p>
+          <a:p>
+            <a:endParaRPr lang="en-US" dirty="0"/>
+          </a:p>
+          <a:p>
+            <a:endParaRPr lang="en-US" dirty="0"/>
+          </a:p>
+          <a:p>
+            <a:r>
+              <a:rPr lang="en-US" dirty="0"/>
+              <a:t>Reporting in APA: </a:t>
+            </a:r>
+          </a:p>
+          <a:p>
+            <a:pPr lvl="1"/>
+            <a:r>
+              <a:rPr lang="en-US" dirty="0"/>
+              <a:t>A statistically significant mean increase of 0.14 km, 95% CI [0.09, 0.18], </a:t>
+            </a:r>
+            <a:r>
+              <a:rPr lang="en-US" i="1" dirty="0"/>
+              <a:t>t</a:t>
+            </a:r>
+            <a:r>
+              <a:rPr lang="en-US" dirty="0"/>
+              <a:t>(19) = 6.35, </a:t>
+            </a:r>
+            <a:r>
+              <a:rPr lang="en-US" i="1" dirty="0"/>
+              <a:t>p</a:t>
+            </a:r>
+            <a:r>
+              <a:rPr lang="en-US" dirty="0"/>
+              <a:t> &lt; .001, </a:t>
+            </a:r>
+            <a:r>
+              <a:rPr lang="en-US" i="1" dirty="0"/>
+              <a:t>d </a:t>
+            </a:r>
+            <a:r>
+              <a:rPr lang="en-US" dirty="0"/>
+              <a:t>= 1.42 was found in our study.</a:t>
+            </a:r>
+          </a:p>
+          <a:p>
+            <a:endParaRPr lang="en-US" dirty="0"/>
+          </a:p>
+          <a:p>
+            <a:endParaRPr lang="en-US" dirty="0"/>
+          </a:p>
+        </p:txBody>
+      </p:sp>
+      <p:pic>
+        <p:nvPicPr>
+          <p:cNvPr id="4" name="Picture 3">
+            <a:extLst>
+              <a:ext uri="{FF2B5EF4-FFF2-40B4-BE49-F238E27FC236}">
+                <a16:creationId xmlns:a16="http://schemas.microsoft.com/office/drawing/2014/main" id="{FFCC44F4-7952-4C75-B461-64495240DCEC}"/>
+              </a:ext>
+            </a:extLst>
+          </p:cNvPr>
+          <p:cNvPicPr>
+            <a:picLocks noChangeAspect="1"/>
+          </p:cNvPicPr>
+          <p:nvPr/>
+        </p:nvPicPr>
+        <p:blipFill>
+          <a:blip r:embed="rId2"/>
+          <a:stretch>
+            <a:fillRect/>
+          </a:stretch>
+        </p:blipFill>
+        <p:spPr>
+          <a:xfrm>
+            <a:off x="1495425" y="2242224"/>
+            <a:ext cx="6048375" cy="1871767"/>
+          </a:xfrm>
+          <a:prstGeom prst="rect">
+            <a:avLst/>
+          </a:prstGeom>
+        </p:spPr>
+      </p:pic>
+    </p:spTree>
+    <p:extLst>
+      <p:ext uri="{BB962C8B-B14F-4D97-AF65-F5344CB8AC3E}">
+        <p14:creationId xmlns:p14="http://schemas.microsoft.com/office/powerpoint/2010/main" val="1114177238"/>
+      </p:ext>
+    </p:extLst>
+  </p:cSld>
+  <p:clrMapOvr>
+    <a:masterClrMapping/>
+  </p:clrMapOvr>
+</p:sld>
+</file>
+
+<file path=ppt/slides/slide29.xml><?xml version="1.0" encoding="utf-8"?>
+<p:sld xmlns:a="http://schemas.openxmlformats.org/drawingml/2006/main" xmlns:r="http://schemas.openxmlformats.org/officeDocument/2006/relationships" xmlns:p="http://schemas.openxmlformats.org/presentationml/2006/main">
+  <p:cSld>
+    <p:spTree>
+      <p:nvGrpSpPr>
+        <p:cNvPr id="1" name=""/>
+        <p:cNvGrpSpPr/>
+        <p:nvPr/>
+      </p:nvGrpSpPr>
+      <p:grpSpPr>
+        <a:xfrm>
+          <a:off x="0" y="0"/>
+          <a:ext cx="0" cy="0"/>
+          <a:chOff x="0" y="0"/>
+          <a:chExt cx="0" cy="0"/>
+        </a:xfrm>
+      </p:grpSpPr>
+      <p:sp>
+        <p:nvSpPr>
+          <p:cNvPr id="2" name="Title 1">
+            <a:extLst>
+              <a:ext uri="{FF2B5EF4-FFF2-40B4-BE49-F238E27FC236}">
+                <a16:creationId xmlns:a16="http://schemas.microsoft.com/office/drawing/2014/main" id="{43821207-5437-4010-BC2A-1FA4A07E4CC6}"/>
+              </a:ext>
+            </a:extLst>
+          </p:cNvPr>
+          <p:cNvSpPr>
+            <a:spLocks noGrp="1"/>
+          </p:cNvSpPr>
+          <p:nvPr>
+            <p:ph type="title"/>
+          </p:nvPr>
+        </p:nvSpPr>
+        <p:spPr/>
+        <p:txBody>
+          <a:bodyPr/>
+          <a:lstStyle/>
+          <a:p>
+            <a:r>
+              <a:rPr lang="en-US" dirty="0"/>
+              <a:t>How to </a:t>
+            </a:r>
+            <a:r>
+              <a:rPr lang="en-US" dirty="0" err="1"/>
+              <a:t>JASP</a:t>
+            </a:r>
+            <a:endParaRPr lang="en-US" dirty="0"/>
+          </a:p>
+        </p:txBody>
+      </p:sp>
+      <p:sp>
+        <p:nvSpPr>
+          <p:cNvPr id="3" name="Content Placeholder 2">
+            <a:extLst>
+              <a:ext uri="{FF2B5EF4-FFF2-40B4-BE49-F238E27FC236}">
+                <a16:creationId xmlns:a16="http://schemas.microsoft.com/office/drawing/2014/main" id="{739AA296-16F7-4FF8-A0F4-FCAB8E13AD1A}"/>
+              </a:ext>
+            </a:extLst>
+          </p:cNvPr>
+          <p:cNvSpPr>
+            <a:spLocks noGrp="1"/>
+          </p:cNvSpPr>
+          <p:nvPr>
+            <p:ph idx="1"/>
+          </p:nvPr>
+        </p:nvSpPr>
+        <p:spPr/>
+        <p:txBody>
+          <a:bodyPr>
+            <a:normAutofit lnSpcReduction="10000"/>
+          </a:bodyPr>
+          <a:lstStyle/>
+          <a:p>
+            <a:r>
+              <a:rPr lang="en-US" dirty="0"/>
+              <a:t>The </a:t>
+            </a:r>
+            <a:r>
+              <a:rPr lang="en-US" dirty="0" err="1"/>
+              <a:t>descriptives</a:t>
+            </a:r>
+            <a:r>
+              <a:rPr lang="en-US" dirty="0"/>
+              <a:t> output tells you a little extra</a:t>
+            </a:r>
+          </a:p>
+          <a:p>
+            <a:endParaRPr lang="en-US" dirty="0"/>
+          </a:p>
+          <a:p>
+            <a:endParaRPr lang="en-US" dirty="0"/>
+          </a:p>
+          <a:p>
+            <a:pPr marL="0" indent="0">
+              <a:buNone/>
+            </a:pPr>
+            <a:endParaRPr lang="en-US" dirty="0"/>
+          </a:p>
+          <a:p>
+            <a:pPr marL="0" indent="0">
+              <a:buNone/>
+            </a:pPr>
+            <a:endParaRPr lang="en-US" dirty="0"/>
+          </a:p>
+          <a:p>
+            <a:r>
+              <a:rPr lang="en-US" dirty="0"/>
+              <a:t>From this we can tell which condition helped participants run further: </a:t>
+            </a:r>
+          </a:p>
+          <a:p>
+            <a:pPr lvl="1"/>
+            <a:r>
+              <a:rPr lang="en-US" dirty="0"/>
+              <a:t>Participants ran further when imbibing the carbohydrate-protein drink (</a:t>
+            </a:r>
+            <a:r>
+              <a:rPr lang="en-US" i="1" dirty="0"/>
+              <a:t>M</a:t>
+            </a:r>
+            <a:r>
+              <a:rPr lang="en-US" dirty="0"/>
+              <a:t> = 11.30, </a:t>
+            </a:r>
+            <a:r>
+              <a:rPr lang="en-US" i="1" dirty="0"/>
+              <a:t>SD</a:t>
+            </a:r>
+            <a:r>
+              <a:rPr lang="en-US" dirty="0"/>
+              <a:t> = 0.72 km) as opposed to the carbohydrate only drink (</a:t>
+            </a:r>
+            <a:r>
+              <a:rPr lang="en-US" i="1" dirty="0"/>
+              <a:t>M</a:t>
+            </a:r>
+            <a:r>
+              <a:rPr lang="en-US" dirty="0"/>
+              <a:t> = 11.17, </a:t>
+            </a:r>
+            <a:r>
+              <a:rPr lang="en-US" i="1" dirty="0"/>
+              <a:t>SD</a:t>
+            </a:r>
+            <a:r>
+              <a:rPr lang="en-US" dirty="0"/>
+              <a:t> = 0.73 km).</a:t>
+            </a:r>
+          </a:p>
+        </p:txBody>
+      </p:sp>
+      <p:pic>
+        <p:nvPicPr>
+          <p:cNvPr id="4" name="Picture 3">
+            <a:extLst>
+              <a:ext uri="{FF2B5EF4-FFF2-40B4-BE49-F238E27FC236}">
+                <a16:creationId xmlns:a16="http://schemas.microsoft.com/office/drawing/2014/main" id="{88529D86-07B3-48F6-B598-BD34B15E3DC0}"/>
+              </a:ext>
+            </a:extLst>
+          </p:cNvPr>
+          <p:cNvPicPr>
+            <a:picLocks noChangeAspect="1"/>
+          </p:cNvPicPr>
+          <p:nvPr/>
+        </p:nvPicPr>
+        <p:blipFill>
+          <a:blip r:embed="rId2"/>
+          <a:stretch>
+            <a:fillRect/>
+          </a:stretch>
+        </p:blipFill>
+        <p:spPr>
+          <a:xfrm>
+            <a:off x="1066800" y="2438400"/>
+            <a:ext cx="3063241" cy="1510048"/>
+          </a:xfrm>
+          <a:prstGeom prst="rect">
+            <a:avLst/>
+          </a:prstGeom>
+        </p:spPr>
+      </p:pic>
+    </p:spTree>
+    <p:extLst>
+      <p:ext uri="{BB962C8B-B14F-4D97-AF65-F5344CB8AC3E}">
+        <p14:creationId xmlns:p14="http://schemas.microsoft.com/office/powerpoint/2010/main" val="1296940064"/>
       </p:ext>
     </p:extLst>
   </p:cSld>
@@ -7925,6 +9284,148 @@
     <p:extLst>
       <p:ext uri="{BB962C8B-B14F-4D97-AF65-F5344CB8AC3E}">
         <p14:creationId xmlns:p14="http://schemas.microsoft.com/office/powerpoint/2010/main" val="343723769"/>
+      </p:ext>
+    </p:extLst>
+  </p:cSld>
+  <p:clrMapOvr>
+    <a:masterClrMapping/>
+  </p:clrMapOvr>
+</p:sld>
+</file>
+
+<file path=ppt/slides/slide30.xml><?xml version="1.0" encoding="utf-8"?>
+<p:sld xmlns:a="http://schemas.openxmlformats.org/drawingml/2006/main" xmlns:r="http://schemas.openxmlformats.org/officeDocument/2006/relationships" xmlns:p="http://schemas.openxmlformats.org/presentationml/2006/main">
+  <p:cSld>
+    <p:spTree>
+      <p:nvGrpSpPr>
+        <p:cNvPr id="1" name=""/>
+        <p:cNvGrpSpPr/>
+        <p:nvPr/>
+      </p:nvGrpSpPr>
+      <p:grpSpPr>
+        <a:xfrm>
+          <a:off x="0" y="0"/>
+          <a:ext cx="0" cy="0"/>
+          <a:chOff x="0" y="0"/>
+          <a:chExt cx="0" cy="0"/>
+        </a:xfrm>
+      </p:grpSpPr>
+      <p:sp>
+        <p:nvSpPr>
+          <p:cNvPr id="2" name="Title 1">
+            <a:extLst>
+              <a:ext uri="{FF2B5EF4-FFF2-40B4-BE49-F238E27FC236}">
+                <a16:creationId xmlns:a16="http://schemas.microsoft.com/office/drawing/2014/main" id="{BDCA1CB4-BA88-403A-941A-0B05D8163A0E}"/>
+              </a:ext>
+            </a:extLst>
+          </p:cNvPr>
+          <p:cNvSpPr>
+            <a:spLocks noGrp="1"/>
+          </p:cNvSpPr>
+          <p:nvPr>
+            <p:ph type="title"/>
+          </p:nvPr>
+        </p:nvSpPr>
+        <p:spPr/>
+        <p:txBody>
+          <a:bodyPr/>
+          <a:lstStyle/>
+          <a:p>
+            <a:r>
+              <a:rPr lang="en-US" dirty="0"/>
+              <a:t>Putting in Together</a:t>
+            </a:r>
+          </a:p>
+        </p:txBody>
+      </p:sp>
+      <p:sp>
+        <p:nvSpPr>
+          <p:cNvPr id="3" name="Content Placeholder 2">
+            <a:extLst>
+              <a:ext uri="{FF2B5EF4-FFF2-40B4-BE49-F238E27FC236}">
+                <a16:creationId xmlns:a16="http://schemas.microsoft.com/office/drawing/2014/main" id="{1DC25AE8-0FD3-4A97-87D4-64A4506066FE}"/>
+              </a:ext>
+            </a:extLst>
+          </p:cNvPr>
+          <p:cNvSpPr>
+            <a:spLocks noGrp="1"/>
+          </p:cNvSpPr>
+          <p:nvPr>
+            <p:ph idx="1"/>
+          </p:nvPr>
+        </p:nvSpPr>
+        <p:spPr/>
+        <p:txBody>
+          <a:bodyPr/>
+          <a:lstStyle/>
+          <a:p>
+            <a:r>
+              <a:rPr lang="en-US" dirty="0"/>
+              <a:t>Participants ran further when imbibing the carbohydrate-protein drink (</a:t>
+            </a:r>
+            <a:r>
+              <a:rPr lang="en-US" i="1" dirty="0"/>
+              <a:t>M</a:t>
+            </a:r>
+            <a:r>
+              <a:rPr lang="en-US" dirty="0"/>
+              <a:t> = 11.30, </a:t>
+            </a:r>
+            <a:r>
+              <a:rPr lang="en-US" i="1" dirty="0"/>
+              <a:t>SD</a:t>
+            </a:r>
+            <a:r>
+              <a:rPr lang="en-US" dirty="0"/>
+              <a:t> = 0.72 km) as opposed to the carbohydrate only drink (</a:t>
+            </a:r>
+            <a:r>
+              <a:rPr lang="en-US" i="1" dirty="0"/>
+              <a:t>M</a:t>
+            </a:r>
+            <a:r>
+              <a:rPr lang="en-US" dirty="0"/>
+              <a:t> = 11.17, </a:t>
+            </a:r>
+            <a:r>
+              <a:rPr lang="en-US" i="1" dirty="0"/>
+              <a:t>SD</a:t>
+            </a:r>
+            <a:r>
+              <a:rPr lang="en-US" dirty="0"/>
+              <a:t> = 0.73 km), a statistically significant mean increase of 0.14 km, 95% CI [0.09, 0.18], </a:t>
+            </a:r>
+            <a:r>
+              <a:rPr lang="en-US" i="1" dirty="0"/>
+              <a:t>t</a:t>
+            </a:r>
+            <a:r>
+              <a:rPr lang="en-US" dirty="0"/>
+              <a:t>(19) = 6.35, </a:t>
+            </a:r>
+            <a:r>
+              <a:rPr lang="en-US" i="1" dirty="0"/>
+              <a:t>p</a:t>
+            </a:r>
+            <a:r>
+              <a:rPr lang="en-US" dirty="0"/>
+              <a:t> &lt; .001, </a:t>
+            </a:r>
+            <a:r>
+              <a:rPr lang="en-US" i="1" dirty="0"/>
+              <a:t>d</a:t>
+            </a:r>
+            <a:r>
+              <a:rPr lang="en-US" dirty="0"/>
+              <a:t> = 1.42.</a:t>
+            </a:r>
+          </a:p>
+        </p:txBody>
+      </p:sp>
+    </p:spTree>
+    <p:extLst>
+      <p:ext uri="{BB962C8B-B14F-4D97-AF65-F5344CB8AC3E}">
+        <p14:creationId xmlns:p14="http://schemas.microsoft.com/office/powerpoint/2010/main" val="1002453925"/>
       </p:ext>
     </p:extLst>
   </p:cSld>
@@ -8209,7 +9710,7 @@
             <a:pPr lvl="1"/>
             <a:r>
               <a:rPr lang="en-US" dirty="0"/>
-              <a:t>So, now we might meet step 2!</a:t>
+              <a:t>So, now we might meet this random selection assumption </a:t>
             </a:r>
           </a:p>
         </p:txBody>
@@ -8276,20 +9777,20 @@
             <p:ph idx="1"/>
             <p:extLst>
               <p:ext uri="{D42A27DB-BD31-4B8C-83A1-F6EECF244321}">
-                <p14:modId xmlns:p14="http://schemas.microsoft.com/office/powerpoint/2010/main" val="1474229550"/>
+                <p14:modId xmlns:p14="http://schemas.microsoft.com/office/powerpoint/2010/main" val="799531121"/>
               </p:ext>
             </p:extLst>
           </p:nvPr>
         </p:nvGraphicFramePr>
         <p:xfrm>
-          <a:off x="822325" y="1846263"/>
+          <a:off x="818044" y="2971800"/>
           <a:ext cx="7543800" cy="1752600"/>
         </p:xfrm>
         <a:graphic>
           <a:graphicData uri="http://schemas.openxmlformats.org/drawingml/2006/table">
             <a:tbl>
               <a:tblPr firstRow="1" bandRow="1">
-                <a:tableStyleId>{1E171933-4619-4E11-9A3F-F7608DF75F80}</a:tableStyleId>
+                <a:tableStyleId>{B301B821-A1FF-4177-AEE7-76D212191A09}</a:tableStyleId>
               </a:tblPr>
               <a:tblGrid>
                 <a:gridCol w="3771900">
@@ -8399,11 +9900,11 @@
                     <a:p>
                       <a:r>
                         <a:rPr lang="en-US" dirty="0"/>
-                        <a:t>Nothing… do </a:t>
+                        <a:t>Nothing… do non-</a:t>
                       </a:r>
                       <a:r>
                         <a:rPr lang="en-US" dirty="0" err="1"/>
-                        <a:t>nonparametrics</a:t>
+                        <a:t>parametrics</a:t>
                       </a:r>
                       <a:endParaRPr lang="en-US" dirty="0"/>
                     </a:p>
